--- a/fig/workflow.pptx
+++ b/fig/workflow.pptx
@@ -2,12 +2,12 @@
 <file path=ppt/presentation.xml><?xml version="1.0" encoding="utf-8"?>
 <p:presentation xmlns:a="http://schemas.openxmlformats.org/drawingml/2006/main" xmlns:r="http://schemas.openxmlformats.org/officeDocument/2006/relationships" xmlns:p="http://schemas.openxmlformats.org/presentationml/2006/main" saveSubsetFonts="1" autoCompressPictures="0">
   <p:sldMasterIdLst>
-    <p:sldMasterId id="2147483708" r:id="rId1"/>
+    <p:sldMasterId id="2147483744" r:id="rId1"/>
   </p:sldMasterIdLst>
   <p:sldIdLst>
     <p:sldId id="256" r:id="rId2"/>
   </p:sldIdLst>
-  <p:sldSz cx="2879725" cy="2663825"/>
+  <p:sldSz cx="2879725" cy="3095625"/>
   <p:notesSz cx="6858000" cy="9144000"/>
   <p:defaultTextStyle>
     <a:defPPr>
@@ -141,8 +141,8 @@
         </p:nvSpPr>
         <p:spPr>
           <a:xfrm>
-            <a:off x="215980" y="435955"/>
-            <a:ext cx="2447766" cy="927406"/>
+            <a:off x="215980" y="506622"/>
+            <a:ext cx="2447766" cy="1077736"/>
           </a:xfrm>
         </p:spPr>
         <p:txBody>
@@ -173,8 +173,8 @@
         </p:nvSpPr>
         <p:spPr>
           <a:xfrm>
-            <a:off x="359966" y="1399125"/>
-            <a:ext cx="2159794" cy="643141"/>
+            <a:off x="359966" y="1625920"/>
+            <a:ext cx="2159794" cy="747393"/>
           </a:xfrm>
         </p:spPr>
         <p:txBody>
@@ -243,7 +243,7 @@
           <a:p>
             <a:fld id="{F4936277-C41C-BD48-B2E2-AC7EAD890185}" type="datetimeFigureOut">
               <a:rPr kumimoji="1" lang="zh-CN" altLang="en-US" smtClean="0"/>
-              <a:t>2024/8/13</a:t>
+              <a:t>2025/10/9</a:t>
             </a:fld>
             <a:endParaRPr kumimoji="1" lang="zh-CN" altLang="en-US"/>
           </a:p>
@@ -294,7 +294,7 @@
     </p:spTree>
     <p:extLst>
       <p:ext uri="{BB962C8B-B14F-4D97-AF65-F5344CB8AC3E}">
-        <p14:creationId xmlns:p14="http://schemas.microsoft.com/office/powerpoint/2010/main" val="4095323149"/>
+        <p14:creationId xmlns:p14="http://schemas.microsoft.com/office/powerpoint/2010/main" val="3678934572"/>
       </p:ext>
     </p:extLst>
   </p:cSld>
@@ -413,7 +413,7 @@
           <a:p>
             <a:fld id="{F4936277-C41C-BD48-B2E2-AC7EAD890185}" type="datetimeFigureOut">
               <a:rPr kumimoji="1" lang="zh-CN" altLang="en-US" smtClean="0"/>
-              <a:t>2024/8/13</a:t>
+              <a:t>2025/10/9</a:t>
             </a:fld>
             <a:endParaRPr kumimoji="1" lang="zh-CN" altLang="en-US"/>
           </a:p>
@@ -464,7 +464,7 @@
     </p:spTree>
     <p:extLst>
       <p:ext uri="{BB962C8B-B14F-4D97-AF65-F5344CB8AC3E}">
-        <p14:creationId xmlns:p14="http://schemas.microsoft.com/office/powerpoint/2010/main" val="3020868231"/>
+        <p14:creationId xmlns:p14="http://schemas.microsoft.com/office/powerpoint/2010/main" val="4026394814"/>
       </p:ext>
     </p:extLst>
   </p:cSld>
@@ -503,8 +503,8 @@
         </p:nvSpPr>
         <p:spPr>
           <a:xfrm>
-            <a:off x="2060803" y="141824"/>
-            <a:ext cx="620941" cy="2257469"/>
+            <a:off x="2060803" y="164813"/>
+            <a:ext cx="620941" cy="2623399"/>
           </a:xfrm>
         </p:spPr>
         <p:txBody>
@@ -531,8 +531,8 @@
         </p:nvSpPr>
         <p:spPr>
           <a:xfrm>
-            <a:off x="197981" y="141824"/>
-            <a:ext cx="1826826" cy="2257469"/>
+            <a:off x="197981" y="164813"/>
+            <a:ext cx="1826826" cy="2623399"/>
           </a:xfrm>
         </p:spPr>
         <p:txBody>
@@ -593,7 +593,7 @@
           <a:p>
             <a:fld id="{F4936277-C41C-BD48-B2E2-AC7EAD890185}" type="datetimeFigureOut">
               <a:rPr kumimoji="1" lang="zh-CN" altLang="en-US" smtClean="0"/>
-              <a:t>2024/8/13</a:t>
+              <a:t>2025/10/9</a:t>
             </a:fld>
             <a:endParaRPr kumimoji="1" lang="zh-CN" altLang="en-US"/>
           </a:p>
@@ -644,7 +644,7 @@
     </p:spTree>
     <p:extLst>
       <p:ext uri="{BB962C8B-B14F-4D97-AF65-F5344CB8AC3E}">
-        <p14:creationId xmlns:p14="http://schemas.microsoft.com/office/powerpoint/2010/main" val="240605720"/>
+        <p14:creationId xmlns:p14="http://schemas.microsoft.com/office/powerpoint/2010/main" val="1649187261"/>
       </p:ext>
     </p:extLst>
   </p:cSld>
@@ -763,7 +763,7 @@
           <a:p>
             <a:fld id="{F4936277-C41C-BD48-B2E2-AC7EAD890185}" type="datetimeFigureOut">
               <a:rPr kumimoji="1" lang="zh-CN" altLang="en-US" smtClean="0"/>
-              <a:t>2024/8/13</a:t>
+              <a:t>2025/10/9</a:t>
             </a:fld>
             <a:endParaRPr kumimoji="1" lang="zh-CN" altLang="en-US"/>
           </a:p>
@@ -814,7 +814,7 @@
     </p:spTree>
     <p:extLst>
       <p:ext uri="{BB962C8B-B14F-4D97-AF65-F5344CB8AC3E}">
-        <p14:creationId xmlns:p14="http://schemas.microsoft.com/office/powerpoint/2010/main" val="3243988331"/>
+        <p14:creationId xmlns:p14="http://schemas.microsoft.com/office/powerpoint/2010/main" val="611893754"/>
       </p:ext>
     </p:extLst>
   </p:cSld>
@@ -853,8 +853,8 @@
         </p:nvSpPr>
         <p:spPr>
           <a:xfrm>
-            <a:off x="196481" y="664107"/>
-            <a:ext cx="2483763" cy="1108077"/>
+            <a:off x="196481" y="771757"/>
+            <a:ext cx="2483763" cy="1287694"/>
           </a:xfrm>
         </p:spPr>
         <p:txBody>
@@ -885,8 +885,8 @@
         </p:nvSpPr>
         <p:spPr>
           <a:xfrm>
-            <a:off x="196481" y="1782667"/>
-            <a:ext cx="2483763" cy="582712"/>
+            <a:off x="196481" y="2071633"/>
+            <a:ext cx="2483763" cy="677168"/>
           </a:xfrm>
         </p:spPr>
         <p:txBody>
@@ -1009,7 +1009,7 @@
           <a:p>
             <a:fld id="{F4936277-C41C-BD48-B2E2-AC7EAD890185}" type="datetimeFigureOut">
               <a:rPr kumimoji="1" lang="zh-CN" altLang="en-US" smtClean="0"/>
-              <a:t>2024/8/13</a:t>
+              <a:t>2025/10/9</a:t>
             </a:fld>
             <a:endParaRPr kumimoji="1" lang="zh-CN" altLang="en-US"/>
           </a:p>
@@ -1060,7 +1060,7 @@
     </p:spTree>
     <p:extLst>
       <p:ext uri="{BB962C8B-B14F-4D97-AF65-F5344CB8AC3E}">
-        <p14:creationId xmlns:p14="http://schemas.microsoft.com/office/powerpoint/2010/main" val="1357977585"/>
+        <p14:creationId xmlns:p14="http://schemas.microsoft.com/office/powerpoint/2010/main" val="2411251390"/>
       </p:ext>
     </p:extLst>
   </p:cSld>
@@ -1122,8 +1122,8 @@
         </p:nvSpPr>
         <p:spPr>
           <a:xfrm>
-            <a:off x="197981" y="709120"/>
-            <a:ext cx="1223883" cy="1690172"/>
+            <a:off x="197981" y="824067"/>
+            <a:ext cx="1223883" cy="1964146"/>
           </a:xfrm>
         </p:spPr>
         <p:txBody>
@@ -1179,8 +1179,8 @@
         </p:nvSpPr>
         <p:spPr>
           <a:xfrm>
-            <a:off x="1457861" y="709120"/>
-            <a:ext cx="1223883" cy="1690172"/>
+            <a:off x="1457861" y="824067"/>
+            <a:ext cx="1223883" cy="1964146"/>
           </a:xfrm>
         </p:spPr>
         <p:txBody>
@@ -1241,7 +1241,7 @@
           <a:p>
             <a:fld id="{F4936277-C41C-BD48-B2E2-AC7EAD890185}" type="datetimeFigureOut">
               <a:rPr kumimoji="1" lang="zh-CN" altLang="en-US" smtClean="0"/>
-              <a:t>2024/8/13</a:t>
+              <a:t>2025/10/9</a:t>
             </a:fld>
             <a:endParaRPr kumimoji="1" lang="zh-CN" altLang="en-US"/>
           </a:p>
@@ -1292,7 +1292,7 @@
     </p:spTree>
     <p:extLst>
       <p:ext uri="{BB962C8B-B14F-4D97-AF65-F5344CB8AC3E}">
-        <p14:creationId xmlns:p14="http://schemas.microsoft.com/office/powerpoint/2010/main" val="3737356839"/>
+        <p14:creationId xmlns:p14="http://schemas.microsoft.com/office/powerpoint/2010/main" val="167188307"/>
       </p:ext>
     </p:extLst>
   </p:cSld>
@@ -1331,8 +1331,8 @@
         </p:nvSpPr>
         <p:spPr>
           <a:xfrm>
-            <a:off x="198356" y="141825"/>
-            <a:ext cx="2483763" cy="514883"/>
+            <a:off x="198356" y="164814"/>
+            <a:ext cx="2483763" cy="598344"/>
           </a:xfrm>
         </p:spPr>
         <p:txBody>
@@ -1359,8 +1359,8 @@
         </p:nvSpPr>
         <p:spPr>
           <a:xfrm>
-            <a:off x="198357" y="653007"/>
-            <a:ext cx="1218258" cy="320029"/>
+            <a:off x="198357" y="758858"/>
+            <a:ext cx="1218258" cy="371905"/>
           </a:xfrm>
         </p:spPr>
         <p:txBody>
@@ -1424,8 +1424,8 @@
         </p:nvSpPr>
         <p:spPr>
           <a:xfrm>
-            <a:off x="198357" y="973036"/>
-            <a:ext cx="1218258" cy="1431190"/>
+            <a:off x="198357" y="1130763"/>
+            <a:ext cx="1218258" cy="1663182"/>
           </a:xfrm>
         </p:spPr>
         <p:txBody>
@@ -1481,8 +1481,8 @@
         </p:nvSpPr>
         <p:spPr>
           <a:xfrm>
-            <a:off x="1457861" y="653007"/>
-            <a:ext cx="1224258" cy="320029"/>
+            <a:off x="1457861" y="758858"/>
+            <a:ext cx="1224258" cy="371905"/>
           </a:xfrm>
         </p:spPr>
         <p:txBody>
@@ -1546,8 +1546,8 @@
         </p:nvSpPr>
         <p:spPr>
           <a:xfrm>
-            <a:off x="1457861" y="973036"/>
-            <a:ext cx="1224258" cy="1431190"/>
+            <a:off x="1457861" y="1130763"/>
+            <a:ext cx="1224258" cy="1663182"/>
           </a:xfrm>
         </p:spPr>
         <p:txBody>
@@ -1608,7 +1608,7 @@
           <a:p>
             <a:fld id="{F4936277-C41C-BD48-B2E2-AC7EAD890185}" type="datetimeFigureOut">
               <a:rPr kumimoji="1" lang="zh-CN" altLang="en-US" smtClean="0"/>
-              <a:t>2024/8/13</a:t>
+              <a:t>2025/10/9</a:t>
             </a:fld>
             <a:endParaRPr kumimoji="1" lang="zh-CN" altLang="en-US"/>
           </a:p>
@@ -1659,7 +1659,7 @@
     </p:spTree>
     <p:extLst>
       <p:ext uri="{BB962C8B-B14F-4D97-AF65-F5344CB8AC3E}">
-        <p14:creationId xmlns:p14="http://schemas.microsoft.com/office/powerpoint/2010/main" val="226706069"/>
+        <p14:creationId xmlns:p14="http://schemas.microsoft.com/office/powerpoint/2010/main" val="271418880"/>
       </p:ext>
     </p:extLst>
   </p:cSld>
@@ -1726,7 +1726,7 @@
           <a:p>
             <a:fld id="{F4936277-C41C-BD48-B2E2-AC7EAD890185}" type="datetimeFigureOut">
               <a:rPr kumimoji="1" lang="zh-CN" altLang="en-US" smtClean="0"/>
-              <a:t>2024/8/13</a:t>
+              <a:t>2025/10/9</a:t>
             </a:fld>
             <a:endParaRPr kumimoji="1" lang="zh-CN" altLang="en-US"/>
           </a:p>
@@ -1777,7 +1777,7 @@
     </p:spTree>
     <p:extLst>
       <p:ext uri="{BB962C8B-B14F-4D97-AF65-F5344CB8AC3E}">
-        <p14:creationId xmlns:p14="http://schemas.microsoft.com/office/powerpoint/2010/main" val="1095823249"/>
+        <p14:creationId xmlns:p14="http://schemas.microsoft.com/office/powerpoint/2010/main" val="1975838505"/>
       </p:ext>
     </p:extLst>
   </p:cSld>
@@ -1821,7 +1821,7 @@
           <a:p>
             <a:fld id="{F4936277-C41C-BD48-B2E2-AC7EAD890185}" type="datetimeFigureOut">
               <a:rPr kumimoji="1" lang="zh-CN" altLang="en-US" smtClean="0"/>
-              <a:t>2024/8/13</a:t>
+              <a:t>2025/10/9</a:t>
             </a:fld>
             <a:endParaRPr kumimoji="1" lang="zh-CN" altLang="en-US"/>
           </a:p>
@@ -1872,7 +1872,7 @@
     </p:spTree>
     <p:extLst>
       <p:ext uri="{BB962C8B-B14F-4D97-AF65-F5344CB8AC3E}">
-        <p14:creationId xmlns:p14="http://schemas.microsoft.com/office/powerpoint/2010/main" val="796118424"/>
+        <p14:creationId xmlns:p14="http://schemas.microsoft.com/office/powerpoint/2010/main" val="3258036180"/>
       </p:ext>
     </p:extLst>
   </p:cSld>
@@ -1911,8 +1911,8 @@
         </p:nvSpPr>
         <p:spPr>
           <a:xfrm>
-            <a:off x="198356" y="177588"/>
-            <a:ext cx="928786" cy="621559"/>
+            <a:off x="198356" y="206375"/>
+            <a:ext cx="928786" cy="722313"/>
           </a:xfrm>
         </p:spPr>
         <p:txBody>
@@ -1943,8 +1943,8 @@
         </p:nvSpPr>
         <p:spPr>
           <a:xfrm>
-            <a:off x="1224258" y="383542"/>
-            <a:ext cx="1457861" cy="1893042"/>
+            <a:off x="1224258" y="445713"/>
+            <a:ext cx="1457861" cy="2199900"/>
           </a:xfrm>
         </p:spPr>
         <p:txBody>
@@ -2028,8 +2028,8 @@
         </p:nvSpPr>
         <p:spPr>
           <a:xfrm>
-            <a:off x="198356" y="799147"/>
-            <a:ext cx="928786" cy="1480520"/>
+            <a:off x="198356" y="928688"/>
+            <a:ext cx="928786" cy="1720508"/>
           </a:xfrm>
         </p:spPr>
         <p:txBody>
@@ -2098,7 +2098,7 @@
           <a:p>
             <a:fld id="{F4936277-C41C-BD48-B2E2-AC7EAD890185}" type="datetimeFigureOut">
               <a:rPr kumimoji="1" lang="zh-CN" altLang="en-US" smtClean="0"/>
-              <a:t>2024/8/13</a:t>
+              <a:t>2025/10/9</a:t>
             </a:fld>
             <a:endParaRPr kumimoji="1" lang="zh-CN" altLang="en-US"/>
           </a:p>
@@ -2149,7 +2149,7 @@
     </p:spTree>
     <p:extLst>
       <p:ext uri="{BB962C8B-B14F-4D97-AF65-F5344CB8AC3E}">
-        <p14:creationId xmlns:p14="http://schemas.microsoft.com/office/powerpoint/2010/main" val="3488135749"/>
+        <p14:creationId xmlns:p14="http://schemas.microsoft.com/office/powerpoint/2010/main" val="3401701661"/>
       </p:ext>
     </p:extLst>
   </p:cSld>
@@ -2188,8 +2188,8 @@
         </p:nvSpPr>
         <p:spPr>
           <a:xfrm>
-            <a:off x="198356" y="177588"/>
-            <a:ext cx="928786" cy="621559"/>
+            <a:off x="198356" y="206375"/>
+            <a:ext cx="928786" cy="722313"/>
           </a:xfrm>
         </p:spPr>
         <p:txBody>
@@ -2220,8 +2220,8 @@
         </p:nvSpPr>
         <p:spPr>
           <a:xfrm>
-            <a:off x="1224258" y="383542"/>
-            <a:ext cx="1457861" cy="1893042"/>
+            <a:off x="1224258" y="445713"/>
+            <a:ext cx="1457861" cy="2199900"/>
           </a:xfrm>
         </p:spPr>
         <p:txBody>
@@ -2285,8 +2285,8 @@
         </p:nvSpPr>
         <p:spPr>
           <a:xfrm>
-            <a:off x="198356" y="799147"/>
-            <a:ext cx="928786" cy="1480520"/>
+            <a:off x="198356" y="928688"/>
+            <a:ext cx="928786" cy="1720508"/>
           </a:xfrm>
         </p:spPr>
         <p:txBody>
@@ -2355,7 +2355,7 @@
           <a:p>
             <a:fld id="{F4936277-C41C-BD48-B2E2-AC7EAD890185}" type="datetimeFigureOut">
               <a:rPr kumimoji="1" lang="zh-CN" altLang="en-US" smtClean="0"/>
-              <a:t>2024/8/13</a:t>
+              <a:t>2025/10/9</a:t>
             </a:fld>
             <a:endParaRPr kumimoji="1" lang="zh-CN" altLang="en-US"/>
           </a:p>
@@ -2406,7 +2406,7 @@
     </p:spTree>
     <p:extLst>
       <p:ext uri="{BB962C8B-B14F-4D97-AF65-F5344CB8AC3E}">
-        <p14:creationId xmlns:p14="http://schemas.microsoft.com/office/powerpoint/2010/main" val="2331838494"/>
+        <p14:creationId xmlns:p14="http://schemas.microsoft.com/office/powerpoint/2010/main" val="1904881698"/>
       </p:ext>
     </p:extLst>
   </p:cSld>
@@ -2450,8 +2450,8 @@
         </p:nvSpPr>
         <p:spPr>
           <a:xfrm>
-            <a:off x="197981" y="141825"/>
-            <a:ext cx="2483763" cy="514883"/>
+            <a:off x="197981" y="164814"/>
+            <a:ext cx="2483763" cy="598344"/>
           </a:xfrm>
           <a:prstGeom prst="rect">
             <a:avLst/>
@@ -2483,8 +2483,8 @@
         </p:nvSpPr>
         <p:spPr>
           <a:xfrm>
-            <a:off x="197981" y="709120"/>
-            <a:ext cx="2483763" cy="1690172"/>
+            <a:off x="197981" y="824067"/>
+            <a:ext cx="2483763" cy="1964146"/>
           </a:xfrm>
           <a:prstGeom prst="rect">
             <a:avLst/>
@@ -2545,8 +2545,8 @@
         </p:nvSpPr>
         <p:spPr>
           <a:xfrm>
-            <a:off x="197981" y="2468972"/>
-            <a:ext cx="647938" cy="141824"/>
+            <a:off x="197981" y="2869187"/>
+            <a:ext cx="647938" cy="164813"/>
           </a:xfrm>
           <a:prstGeom prst="rect">
             <a:avLst/>
@@ -2568,7 +2568,7 @@
           <a:p>
             <a:fld id="{F4936277-C41C-BD48-B2E2-AC7EAD890185}" type="datetimeFigureOut">
               <a:rPr kumimoji="1" lang="zh-CN" altLang="en-US" smtClean="0"/>
-              <a:t>2024/8/13</a:t>
+              <a:t>2025/10/9</a:t>
             </a:fld>
             <a:endParaRPr kumimoji="1" lang="zh-CN" altLang="en-US"/>
           </a:p>
@@ -2586,8 +2586,8 @@
         </p:nvSpPr>
         <p:spPr>
           <a:xfrm>
-            <a:off x="953909" y="2468972"/>
-            <a:ext cx="971907" cy="141824"/>
+            <a:off x="953909" y="2869187"/>
+            <a:ext cx="971907" cy="164813"/>
           </a:xfrm>
           <a:prstGeom prst="rect">
             <a:avLst/>
@@ -2623,8 +2623,8 @@
         </p:nvSpPr>
         <p:spPr>
           <a:xfrm>
-            <a:off x="2033806" y="2468972"/>
-            <a:ext cx="647938" cy="141824"/>
+            <a:off x="2033806" y="2869187"/>
+            <a:ext cx="647938" cy="164813"/>
           </a:xfrm>
           <a:prstGeom prst="rect">
             <a:avLst/>
@@ -2655,23 +2655,23 @@
     </p:spTree>
     <p:extLst>
       <p:ext uri="{BB962C8B-B14F-4D97-AF65-F5344CB8AC3E}">
-        <p14:creationId xmlns:p14="http://schemas.microsoft.com/office/powerpoint/2010/main" val="2848267074"/>
+        <p14:creationId xmlns:p14="http://schemas.microsoft.com/office/powerpoint/2010/main" val="2103834464"/>
       </p:ext>
     </p:extLst>
   </p:cSld>
   <p:clrMap bg1="lt1" tx1="dk1" bg2="lt2" tx2="dk2" accent1="accent1" accent2="accent2" accent3="accent3" accent4="accent4" accent5="accent5" accent6="accent6" hlink="hlink" folHlink="folHlink"/>
   <p:sldLayoutIdLst>
-    <p:sldLayoutId id="2147483709" r:id="rId1"/>
-    <p:sldLayoutId id="2147483710" r:id="rId2"/>
-    <p:sldLayoutId id="2147483711" r:id="rId3"/>
-    <p:sldLayoutId id="2147483712" r:id="rId4"/>
-    <p:sldLayoutId id="2147483713" r:id="rId5"/>
-    <p:sldLayoutId id="2147483714" r:id="rId6"/>
-    <p:sldLayoutId id="2147483715" r:id="rId7"/>
-    <p:sldLayoutId id="2147483716" r:id="rId8"/>
-    <p:sldLayoutId id="2147483717" r:id="rId9"/>
-    <p:sldLayoutId id="2147483718" r:id="rId10"/>
-    <p:sldLayoutId id="2147483719" r:id="rId11"/>
+    <p:sldLayoutId id="2147483745" r:id="rId1"/>
+    <p:sldLayoutId id="2147483746" r:id="rId2"/>
+    <p:sldLayoutId id="2147483747" r:id="rId3"/>
+    <p:sldLayoutId id="2147483748" r:id="rId4"/>
+    <p:sldLayoutId id="2147483749" r:id="rId5"/>
+    <p:sldLayoutId id="2147483750" r:id="rId6"/>
+    <p:sldLayoutId id="2147483751" r:id="rId7"/>
+    <p:sldLayoutId id="2147483752" r:id="rId8"/>
+    <p:sldLayoutId id="2147483753" r:id="rId9"/>
+    <p:sldLayoutId id="2147483754" r:id="rId10"/>
+    <p:sldLayoutId id="2147483755" r:id="rId11"/>
   </p:sldLayoutIdLst>
   <p:txStyles>
     <p:titleStyle>
@@ -2987,7 +2987,7 @@
         </p:nvSpPr>
         <p:spPr>
           <a:xfrm>
-            <a:off x="35862" y="29368"/>
+            <a:off x="35862" y="15086"/>
             <a:ext cx="2808000" cy="129600"/>
           </a:xfrm>
           <a:prstGeom prst="roundRect">
@@ -3042,8 +3042,8 @@
         </p:nvSpPr>
         <p:spPr>
           <a:xfrm>
-            <a:off x="31437" y="291321"/>
-            <a:ext cx="360000" cy="241300"/>
+            <a:off x="111231" y="277039"/>
+            <a:ext cx="636455" cy="180000"/>
           </a:xfrm>
           <a:prstGeom prst="roundRect">
             <a:avLst/>
@@ -3075,226 +3075,6 @@
                 <a:cs typeface="Arial" panose="020B0604020202020204" pitchFamily="34" charset="0"/>
               </a:rPr>
               <a:t>WRF EXP1</a:t>
-            </a:r>
-            <a:endParaRPr kumimoji="1" lang="zh-CN" altLang="en-US" sz="800" dirty="0">
-              <a:latin typeface="Arial" panose="020B0604020202020204" pitchFamily="34" charset="0"/>
-              <a:cs typeface="Arial" panose="020B0604020202020204" pitchFamily="34" charset="0"/>
-            </a:endParaRPr>
-          </a:p>
-        </p:txBody>
-      </p:sp>
-      <p:sp>
-        <p:nvSpPr>
-          <p:cNvPr id="10" name="圆角矩形 9">
-            <a:extLst>
-              <a:ext uri="{FF2B5EF4-FFF2-40B4-BE49-F238E27FC236}">
-                <a16:creationId xmlns:a16="http://schemas.microsoft.com/office/drawing/2014/main" id="{D9A29A80-94FE-2F35-B5F9-72725EC42C12}"/>
-              </a:ext>
-            </a:extLst>
-          </p:cNvPr>
-          <p:cNvSpPr/>
-          <p:nvPr/>
-        </p:nvSpPr>
-        <p:spPr>
-          <a:xfrm>
-            <a:off x="644704" y="291321"/>
-            <a:ext cx="360000" cy="241300"/>
-          </a:xfrm>
-          <a:prstGeom prst="roundRect">
-            <a:avLst/>
-          </a:prstGeom>
-          <a:ln w="9525"/>
-        </p:spPr>
-        <p:style>
-          <a:lnRef idx="2">
-            <a:schemeClr val="dk1"/>
-          </a:lnRef>
-          <a:fillRef idx="1">
-            <a:schemeClr val="lt1"/>
-          </a:fillRef>
-          <a:effectRef idx="0">
-            <a:schemeClr val="dk1"/>
-          </a:effectRef>
-          <a:fontRef idx="minor">
-            <a:schemeClr val="dk1"/>
-          </a:fontRef>
-        </p:style>
-        <p:txBody>
-          <a:bodyPr lIns="0" tIns="0" rIns="0" bIns="0" rtlCol="0" anchor="ctr"/>
-          <a:lstStyle/>
-          <a:p>
-            <a:pPr algn="ctr"/>
-            <a:r>
-              <a:rPr kumimoji="1" lang="en-US" altLang="zh-CN" sz="800" dirty="0">
-                <a:latin typeface="Arial" panose="020B0604020202020204" pitchFamily="34" charset="0"/>
-                <a:cs typeface="Arial" panose="020B0604020202020204" pitchFamily="34" charset="0"/>
-              </a:rPr>
-              <a:t>WRF EXP2</a:t>
-            </a:r>
-            <a:endParaRPr kumimoji="1" lang="zh-CN" altLang="en-US" sz="800" dirty="0">
-              <a:latin typeface="Arial" panose="020B0604020202020204" pitchFamily="34" charset="0"/>
-              <a:cs typeface="Arial" panose="020B0604020202020204" pitchFamily="34" charset="0"/>
-            </a:endParaRPr>
-          </a:p>
-        </p:txBody>
-      </p:sp>
-      <p:sp>
-        <p:nvSpPr>
-          <p:cNvPr id="11" name="圆角矩形 10">
-            <a:extLst>
-              <a:ext uri="{FF2B5EF4-FFF2-40B4-BE49-F238E27FC236}">
-                <a16:creationId xmlns:a16="http://schemas.microsoft.com/office/drawing/2014/main" id="{B03E895E-0ED9-AA42-BF09-89F7980D8785}"/>
-              </a:ext>
-            </a:extLst>
-          </p:cNvPr>
-          <p:cNvSpPr/>
-          <p:nvPr/>
-        </p:nvSpPr>
-        <p:spPr>
-          <a:xfrm>
-            <a:off x="1257972" y="291321"/>
-            <a:ext cx="360000" cy="241300"/>
-          </a:xfrm>
-          <a:prstGeom prst="roundRect">
-            <a:avLst/>
-          </a:prstGeom>
-          <a:ln w="9525"/>
-        </p:spPr>
-        <p:style>
-          <a:lnRef idx="2">
-            <a:schemeClr val="dk1"/>
-          </a:lnRef>
-          <a:fillRef idx="1">
-            <a:schemeClr val="lt1"/>
-          </a:fillRef>
-          <a:effectRef idx="0">
-            <a:schemeClr val="dk1"/>
-          </a:effectRef>
-          <a:fontRef idx="minor">
-            <a:schemeClr val="dk1"/>
-          </a:fontRef>
-        </p:style>
-        <p:txBody>
-          <a:bodyPr lIns="0" tIns="0" rIns="0" bIns="0" rtlCol="0" anchor="ctr"/>
-          <a:lstStyle/>
-          <a:p>
-            <a:pPr algn="ctr"/>
-            <a:r>
-              <a:rPr kumimoji="1" lang="en-US" altLang="zh-CN" sz="800" dirty="0">
-                <a:latin typeface="Arial" panose="020B0604020202020204" pitchFamily="34" charset="0"/>
-                <a:cs typeface="Arial" panose="020B0604020202020204" pitchFamily="34" charset="0"/>
-              </a:rPr>
-              <a:t>WRF EXP3</a:t>
-            </a:r>
-            <a:endParaRPr kumimoji="1" lang="zh-CN" altLang="en-US" sz="800" dirty="0">
-              <a:latin typeface="Arial" panose="020B0604020202020204" pitchFamily="34" charset="0"/>
-              <a:cs typeface="Arial" panose="020B0604020202020204" pitchFamily="34" charset="0"/>
-            </a:endParaRPr>
-          </a:p>
-        </p:txBody>
-      </p:sp>
-      <p:sp>
-        <p:nvSpPr>
-          <p:cNvPr id="12" name="圆角矩形 11">
-            <a:extLst>
-              <a:ext uri="{FF2B5EF4-FFF2-40B4-BE49-F238E27FC236}">
-                <a16:creationId xmlns:a16="http://schemas.microsoft.com/office/drawing/2014/main" id="{78CFECB7-2EEA-E725-127A-B9D50B0D0AEC}"/>
-              </a:ext>
-            </a:extLst>
-          </p:cNvPr>
-          <p:cNvSpPr/>
-          <p:nvPr/>
-        </p:nvSpPr>
-        <p:spPr>
-          <a:xfrm>
-            <a:off x="1871160" y="291321"/>
-            <a:ext cx="360000" cy="241300"/>
-          </a:xfrm>
-          <a:prstGeom prst="roundRect">
-            <a:avLst/>
-          </a:prstGeom>
-          <a:ln w="9525"/>
-        </p:spPr>
-        <p:style>
-          <a:lnRef idx="2">
-            <a:schemeClr val="dk1"/>
-          </a:lnRef>
-          <a:fillRef idx="1">
-            <a:schemeClr val="lt1"/>
-          </a:fillRef>
-          <a:effectRef idx="0">
-            <a:schemeClr val="dk1"/>
-          </a:effectRef>
-          <a:fontRef idx="minor">
-            <a:schemeClr val="dk1"/>
-          </a:fontRef>
-        </p:style>
-        <p:txBody>
-          <a:bodyPr lIns="0" tIns="0" rIns="0" bIns="0" rtlCol="0" anchor="ctr"/>
-          <a:lstStyle/>
-          <a:p>
-            <a:pPr algn="ctr"/>
-            <a:r>
-              <a:rPr kumimoji="1" lang="en-US" altLang="zh-CN" sz="800" dirty="0">
-                <a:latin typeface="Arial" panose="020B0604020202020204" pitchFamily="34" charset="0"/>
-                <a:cs typeface="Arial" panose="020B0604020202020204" pitchFamily="34" charset="0"/>
-              </a:rPr>
-              <a:t>WRF EXP4</a:t>
-            </a:r>
-            <a:endParaRPr kumimoji="1" lang="zh-CN" altLang="en-US" sz="800" dirty="0">
-              <a:latin typeface="Arial" panose="020B0604020202020204" pitchFamily="34" charset="0"/>
-              <a:cs typeface="Arial" panose="020B0604020202020204" pitchFamily="34" charset="0"/>
-            </a:endParaRPr>
-          </a:p>
-        </p:txBody>
-      </p:sp>
-      <p:sp>
-        <p:nvSpPr>
-          <p:cNvPr id="13" name="圆角矩形 12">
-            <a:extLst>
-              <a:ext uri="{FF2B5EF4-FFF2-40B4-BE49-F238E27FC236}">
-                <a16:creationId xmlns:a16="http://schemas.microsoft.com/office/drawing/2014/main" id="{49A96E14-4E15-FEEC-A783-D47A26E22C41}"/>
-              </a:ext>
-            </a:extLst>
-          </p:cNvPr>
-          <p:cNvSpPr/>
-          <p:nvPr/>
-        </p:nvSpPr>
-        <p:spPr>
-          <a:xfrm>
-            <a:off x="2484287" y="291321"/>
-            <a:ext cx="360000" cy="241300"/>
-          </a:xfrm>
-          <a:prstGeom prst="roundRect">
-            <a:avLst/>
-          </a:prstGeom>
-          <a:ln w="9525"/>
-        </p:spPr>
-        <p:style>
-          <a:lnRef idx="2">
-            <a:schemeClr val="dk1"/>
-          </a:lnRef>
-          <a:fillRef idx="1">
-            <a:schemeClr val="lt1"/>
-          </a:fillRef>
-          <a:effectRef idx="0">
-            <a:schemeClr val="dk1"/>
-          </a:effectRef>
-          <a:fontRef idx="minor">
-            <a:schemeClr val="dk1"/>
-          </a:fontRef>
-        </p:style>
-        <p:txBody>
-          <a:bodyPr lIns="0" tIns="0" rIns="0" bIns="0" rtlCol="0" anchor="ctr"/>
-          <a:lstStyle/>
-          <a:p>
-            <a:pPr algn="ctr"/>
-            <a:r>
-              <a:rPr kumimoji="1" lang="en-US" altLang="zh-CN" sz="800" dirty="0">
-                <a:latin typeface="Arial" panose="020B0604020202020204" pitchFamily="34" charset="0"/>
-                <a:cs typeface="Arial" panose="020B0604020202020204" pitchFamily="34" charset="0"/>
-              </a:rPr>
-              <a:t>WRF EXP5</a:t>
             </a:r>
             <a:endParaRPr kumimoji="1" lang="zh-CN" altLang="en-US" sz="800" dirty="0">
               <a:latin typeface="Arial" panose="020B0604020202020204" pitchFamily="34" charset="0"/>
@@ -3321,101 +3101,11 @@
         </p:nvCxnSpPr>
         <p:spPr>
           <a:xfrm rot="5400000">
-            <a:off x="759475" y="-389068"/>
-            <a:ext cx="132353" cy="1228425"/>
+            <a:off x="868485" y="-294340"/>
+            <a:ext cx="132353" cy="1010404"/>
           </a:xfrm>
           <a:prstGeom prst="bentConnector3">
             <a:avLst/>
-          </a:prstGeom>
-          <a:ln w="9525">
-            <a:tailEnd type="triangle" w="sm" len="sm"/>
-          </a:ln>
-        </p:spPr>
-        <p:style>
-          <a:lnRef idx="1">
-            <a:schemeClr val="dk1"/>
-          </a:lnRef>
-          <a:fillRef idx="0">
-            <a:schemeClr val="dk1"/>
-          </a:fillRef>
-          <a:effectRef idx="0">
-            <a:schemeClr val="dk1"/>
-          </a:effectRef>
-          <a:fontRef idx="minor">
-            <a:schemeClr val="tx1"/>
-          </a:fontRef>
-        </p:style>
-      </p:cxnSp>
-      <p:cxnSp>
-        <p:nvCxnSpPr>
-          <p:cNvPr id="17" name="肘形连接符 16">
-            <a:extLst>
-              <a:ext uri="{FF2B5EF4-FFF2-40B4-BE49-F238E27FC236}">
-                <a16:creationId xmlns:a16="http://schemas.microsoft.com/office/drawing/2014/main" id="{5E851212-7B4D-7F79-95F7-C87FD441F5EB}"/>
-              </a:ext>
-            </a:extLst>
-          </p:cNvPr>
-          <p:cNvCxnSpPr>
-            <a:cxnSpLocks/>
-            <a:stCxn id="4" idx="2"/>
-            <a:endCxn id="10" idx="0"/>
-          </p:cNvCxnSpPr>
-          <p:nvPr/>
-        </p:nvCxnSpPr>
-        <p:spPr>
-          <a:xfrm rot="5400000">
-            <a:off x="1066108" y="-82435"/>
-            <a:ext cx="132353" cy="615158"/>
-          </a:xfrm>
-          <a:prstGeom prst="bentConnector3">
-            <a:avLst>
-              <a:gd name="adj1" fmla="val 50000"/>
-            </a:avLst>
-          </a:prstGeom>
-          <a:ln w="9525">
-            <a:tailEnd type="triangle" w="sm" len="sm"/>
-          </a:ln>
-        </p:spPr>
-        <p:style>
-          <a:lnRef idx="1">
-            <a:schemeClr val="dk1"/>
-          </a:lnRef>
-          <a:fillRef idx="0">
-            <a:schemeClr val="dk1"/>
-          </a:fillRef>
-          <a:effectRef idx="0">
-            <a:schemeClr val="dk1"/>
-          </a:effectRef>
-          <a:fontRef idx="minor">
-            <a:schemeClr val="tx1"/>
-          </a:fontRef>
-        </p:style>
-      </p:cxnSp>
-      <p:cxnSp>
-        <p:nvCxnSpPr>
-          <p:cNvPr id="20" name="肘形连接符 19">
-            <a:extLst>
-              <a:ext uri="{FF2B5EF4-FFF2-40B4-BE49-F238E27FC236}">
-                <a16:creationId xmlns:a16="http://schemas.microsoft.com/office/drawing/2014/main" id="{493B4733-A12F-A34C-8DE6-D3D429ADA431}"/>
-              </a:ext>
-            </a:extLst>
-          </p:cNvPr>
-          <p:cNvCxnSpPr>
-            <a:cxnSpLocks/>
-            <a:stCxn id="4" idx="2"/>
-            <a:endCxn id="11" idx="0"/>
-          </p:cNvCxnSpPr>
-          <p:nvPr/>
-        </p:nvCxnSpPr>
-        <p:spPr>
-          <a:xfrm rot="5400000">
-            <a:off x="1372742" y="224199"/>
-            <a:ext cx="132353" cy="1890"/>
-          </a:xfrm>
-          <a:prstGeom prst="bentConnector3">
-            <a:avLst>
-              <a:gd name="adj1" fmla="val 50000"/>
-            </a:avLst>
           </a:prstGeom>
           <a:ln w="9525">
             <a:tailEnd type="triangle" w="sm" len="sm"/>
@@ -3448,14 +3138,14 @@
           <p:cNvCxnSpPr>
             <a:cxnSpLocks/>
             <a:stCxn id="4" idx="2"/>
-            <a:endCxn id="12" idx="0"/>
+            <a:endCxn id="162" idx="0"/>
           </p:cNvCxnSpPr>
           <p:nvPr/>
         </p:nvCxnSpPr>
         <p:spPr>
-          <a:xfrm rot="16200000" flipH="1">
-            <a:off x="1679336" y="-80505"/>
-            <a:ext cx="132353" cy="611298"/>
+          <a:xfrm rot="5400000">
+            <a:off x="1371043" y="208219"/>
+            <a:ext cx="132353" cy="5289"/>
           </a:xfrm>
           <a:prstGeom prst="bentConnector3">
             <a:avLst>
@@ -3493,14 +3183,14 @@
           <p:cNvCxnSpPr>
             <a:cxnSpLocks/>
             <a:stCxn id="4" idx="2"/>
-            <a:endCxn id="13" idx="0"/>
+            <a:endCxn id="161" idx="0"/>
           </p:cNvCxnSpPr>
           <p:nvPr/>
         </p:nvCxnSpPr>
         <p:spPr>
           <a:xfrm rot="16200000" flipH="1">
-            <a:off x="1985899" y="-387069"/>
-            <a:ext cx="132353" cy="1224425"/>
+            <a:off x="1873600" y="-289052"/>
+            <a:ext cx="132353" cy="999827"/>
           </a:xfrm>
           <a:prstGeom prst="bentConnector3">
             <a:avLst>
@@ -3526,956 +3216,6 @@
           </a:fontRef>
         </p:style>
       </p:cxnSp>
-      <p:sp>
-        <p:nvSpPr>
-          <p:cNvPr id="32" name="矩形 31">
-            <a:extLst>
-              <a:ext uri="{FF2B5EF4-FFF2-40B4-BE49-F238E27FC236}">
-                <a16:creationId xmlns:a16="http://schemas.microsoft.com/office/drawing/2014/main" id="{13EDFD13-41E5-F34B-178F-17FBB4F3B89A}"/>
-              </a:ext>
-            </a:extLst>
-          </p:cNvPr>
-          <p:cNvSpPr/>
-          <p:nvPr/>
-        </p:nvSpPr>
-        <p:spPr>
-          <a:xfrm>
-            <a:off x="35862" y="886618"/>
-            <a:ext cx="2808000" cy="1469232"/>
-          </a:xfrm>
-          <a:prstGeom prst="rect">
-            <a:avLst/>
-          </a:prstGeom>
-          <a:ln w="6350">
-            <a:prstDash val="dash"/>
-          </a:ln>
-        </p:spPr>
-        <p:style>
-          <a:lnRef idx="2">
-            <a:schemeClr val="dk1"/>
-          </a:lnRef>
-          <a:fillRef idx="1">
-            <a:schemeClr val="lt1"/>
-          </a:fillRef>
-          <a:effectRef idx="0">
-            <a:schemeClr val="dk1"/>
-          </a:effectRef>
-          <a:fontRef idx="minor">
-            <a:schemeClr val="dk1"/>
-          </a:fontRef>
-        </p:style>
-        <p:txBody>
-          <a:bodyPr rtlCol="0" anchor="ctr"/>
-          <a:lstStyle/>
-          <a:p>
-            <a:pPr algn="ctr"/>
-            <a:endParaRPr kumimoji="1" lang="zh-CN" altLang="en-US"/>
-          </a:p>
-        </p:txBody>
-      </p:sp>
-      <p:sp>
-        <p:nvSpPr>
-          <p:cNvPr id="35" name="圆角矩形 34">
-            <a:extLst>
-              <a:ext uri="{FF2B5EF4-FFF2-40B4-BE49-F238E27FC236}">
-                <a16:creationId xmlns:a16="http://schemas.microsoft.com/office/drawing/2014/main" id="{E3433D71-E0D3-108E-F0F9-C3780F94F5EA}"/>
-              </a:ext>
-            </a:extLst>
-          </p:cNvPr>
-          <p:cNvSpPr/>
-          <p:nvPr/>
-        </p:nvSpPr>
-        <p:spPr>
-          <a:xfrm>
-            <a:off x="69667" y="922117"/>
-            <a:ext cx="612767" cy="241300"/>
-          </a:xfrm>
-          <a:prstGeom prst="roundRect">
-            <a:avLst/>
-          </a:prstGeom>
-          <a:ln w="9525"/>
-        </p:spPr>
-        <p:style>
-          <a:lnRef idx="2">
-            <a:schemeClr val="dk1"/>
-          </a:lnRef>
-          <a:fillRef idx="1">
-            <a:schemeClr val="lt1"/>
-          </a:fillRef>
-          <a:effectRef idx="0">
-            <a:schemeClr val="dk1"/>
-          </a:effectRef>
-          <a:fontRef idx="minor">
-            <a:schemeClr val="dk1"/>
-          </a:fontRef>
-        </p:style>
-        <p:txBody>
-          <a:bodyPr lIns="0" tIns="0" rIns="0" bIns="0" rtlCol="0" anchor="ctr"/>
-          <a:lstStyle/>
-          <a:p>
-            <a:pPr algn="ctr"/>
-            <a:r>
-              <a:rPr kumimoji="1" lang="en-US" altLang="zh-CN" sz="800" dirty="0">
-                <a:latin typeface="Arial" panose="020B0604020202020204" pitchFamily="34" charset="0"/>
-                <a:cs typeface="Arial" panose="020B0604020202020204" pitchFamily="34" charset="0"/>
-              </a:rPr>
-              <a:t>Routing Parameter 1</a:t>
-            </a:r>
-            <a:endParaRPr kumimoji="1" lang="zh-CN" altLang="en-US" sz="800" dirty="0">
-              <a:latin typeface="Arial" panose="020B0604020202020204" pitchFamily="34" charset="0"/>
-              <a:cs typeface="Arial" panose="020B0604020202020204" pitchFamily="34" charset="0"/>
-            </a:endParaRPr>
-          </a:p>
-        </p:txBody>
-      </p:sp>
-      <p:sp>
-        <p:nvSpPr>
-          <p:cNvPr id="36" name="圆角矩形 35">
-            <a:extLst>
-              <a:ext uri="{FF2B5EF4-FFF2-40B4-BE49-F238E27FC236}">
-                <a16:creationId xmlns:a16="http://schemas.microsoft.com/office/drawing/2014/main" id="{AEB3AE21-EC51-B52C-1387-E90D55871780}"/>
-              </a:ext>
-            </a:extLst>
-          </p:cNvPr>
-          <p:cNvSpPr/>
-          <p:nvPr/>
-        </p:nvSpPr>
-        <p:spPr>
-          <a:xfrm>
-            <a:off x="69667" y="1208087"/>
-            <a:ext cx="612767" cy="241300"/>
-          </a:xfrm>
-          <a:prstGeom prst="roundRect">
-            <a:avLst/>
-          </a:prstGeom>
-          <a:ln w="9525"/>
-        </p:spPr>
-        <p:style>
-          <a:lnRef idx="2">
-            <a:schemeClr val="dk1"/>
-          </a:lnRef>
-          <a:fillRef idx="1">
-            <a:schemeClr val="lt1"/>
-          </a:fillRef>
-          <a:effectRef idx="0">
-            <a:schemeClr val="dk1"/>
-          </a:effectRef>
-          <a:fontRef idx="minor">
-            <a:schemeClr val="dk1"/>
-          </a:fontRef>
-        </p:style>
-        <p:txBody>
-          <a:bodyPr lIns="0" tIns="0" rIns="0" bIns="0" rtlCol="0" anchor="ctr"/>
-          <a:lstStyle/>
-          <a:p>
-            <a:pPr algn="ctr"/>
-            <a:r>
-              <a:rPr kumimoji="1" lang="en-US" altLang="zh-CN" sz="800" dirty="0">
-                <a:latin typeface="Arial" panose="020B0604020202020204" pitchFamily="34" charset="0"/>
-                <a:cs typeface="Arial" panose="020B0604020202020204" pitchFamily="34" charset="0"/>
-              </a:rPr>
-              <a:t>Routing Parameter 2</a:t>
-            </a:r>
-            <a:endParaRPr kumimoji="1" lang="zh-CN" altLang="en-US" sz="800" dirty="0">
-              <a:latin typeface="Arial" panose="020B0604020202020204" pitchFamily="34" charset="0"/>
-              <a:cs typeface="Arial" panose="020B0604020202020204" pitchFamily="34" charset="0"/>
-            </a:endParaRPr>
-          </a:p>
-        </p:txBody>
-      </p:sp>
-      <p:sp>
-        <p:nvSpPr>
-          <p:cNvPr id="38" name="圆角矩形 37">
-            <a:extLst>
-              <a:ext uri="{FF2B5EF4-FFF2-40B4-BE49-F238E27FC236}">
-                <a16:creationId xmlns:a16="http://schemas.microsoft.com/office/drawing/2014/main" id="{EEB13E11-34CD-DA63-C3AE-20E37100FD8C}"/>
-              </a:ext>
-            </a:extLst>
-          </p:cNvPr>
-          <p:cNvSpPr/>
-          <p:nvPr/>
-        </p:nvSpPr>
-        <p:spPr>
-          <a:xfrm>
-            <a:off x="69667" y="1604168"/>
-            <a:ext cx="612767" cy="241300"/>
-          </a:xfrm>
-          <a:prstGeom prst="roundRect">
-            <a:avLst/>
-          </a:prstGeom>
-          <a:ln w="9525"/>
-        </p:spPr>
-        <p:style>
-          <a:lnRef idx="2">
-            <a:schemeClr val="dk1"/>
-          </a:lnRef>
-          <a:fillRef idx="1">
-            <a:schemeClr val="lt1"/>
-          </a:fillRef>
-          <a:effectRef idx="0">
-            <a:schemeClr val="dk1"/>
-          </a:effectRef>
-          <a:fontRef idx="minor">
-            <a:schemeClr val="dk1"/>
-          </a:fontRef>
-        </p:style>
-        <p:txBody>
-          <a:bodyPr lIns="0" tIns="0" rIns="0" bIns="0" rtlCol="0" anchor="ctr"/>
-          <a:lstStyle/>
-          <a:p>
-            <a:pPr algn="ctr"/>
-            <a:r>
-              <a:rPr kumimoji="1" lang="en-US" altLang="zh-CN" sz="800" dirty="0">
-                <a:latin typeface="Arial" panose="020B0604020202020204" pitchFamily="34" charset="0"/>
-                <a:cs typeface="Arial" panose="020B0604020202020204" pitchFamily="34" charset="0"/>
-              </a:rPr>
-              <a:t>Routing Parameter N</a:t>
-            </a:r>
-            <a:endParaRPr kumimoji="1" lang="zh-CN" altLang="en-US" sz="800" dirty="0">
-              <a:latin typeface="Arial" panose="020B0604020202020204" pitchFamily="34" charset="0"/>
-              <a:cs typeface="Arial" panose="020B0604020202020204" pitchFamily="34" charset="0"/>
-            </a:endParaRPr>
-          </a:p>
-        </p:txBody>
-      </p:sp>
-      <p:sp>
-        <p:nvSpPr>
-          <p:cNvPr id="39" name="文本框 38">
-            <a:extLst>
-              <a:ext uri="{FF2B5EF4-FFF2-40B4-BE49-F238E27FC236}">
-                <a16:creationId xmlns:a16="http://schemas.microsoft.com/office/drawing/2014/main" id="{A7DD3D7E-A88F-0199-95C8-6E012FBF2C3C}"/>
-              </a:ext>
-            </a:extLst>
-          </p:cNvPr>
-          <p:cNvSpPr txBox="1"/>
-          <p:nvPr/>
-        </p:nvSpPr>
-        <p:spPr>
-          <a:xfrm>
-            <a:off x="216789" y="1357951"/>
-            <a:ext cx="306742" cy="246221"/>
-          </a:xfrm>
-          <a:prstGeom prst="rect">
-            <a:avLst/>
-          </a:prstGeom>
-          <a:noFill/>
-        </p:spPr>
-        <p:txBody>
-          <a:bodyPr wrap="square" rtlCol="0">
-            <a:spAutoFit/>
-          </a:bodyPr>
-          <a:lstStyle/>
-          <a:p>
-            <a:pPr algn="ctr"/>
-            <a:r>
-              <a:rPr kumimoji="1" lang="en-US" altLang="zh-CN" sz="1000" dirty="0">
-                <a:latin typeface="Arial" panose="020B0604020202020204" pitchFamily="34" charset="0"/>
-                <a:cs typeface="Arial" panose="020B0604020202020204" pitchFamily="34" charset="0"/>
-              </a:rPr>
-              <a:t>…</a:t>
-            </a:r>
-            <a:endParaRPr kumimoji="1" lang="zh-CN" altLang="en-US" sz="1000" dirty="0">
-              <a:latin typeface="Arial" panose="020B0604020202020204" pitchFamily="34" charset="0"/>
-              <a:cs typeface="Arial" panose="020B0604020202020204" pitchFamily="34" charset="0"/>
-            </a:endParaRPr>
-          </a:p>
-        </p:txBody>
-      </p:sp>
-      <p:sp>
-        <p:nvSpPr>
-          <p:cNvPr id="40" name="圆角矩形 39">
-            <a:extLst>
-              <a:ext uri="{FF2B5EF4-FFF2-40B4-BE49-F238E27FC236}">
-                <a16:creationId xmlns:a16="http://schemas.microsoft.com/office/drawing/2014/main" id="{EFAC1D89-E880-ED76-A6CA-45D8564A22FF}"/>
-              </a:ext>
-            </a:extLst>
-          </p:cNvPr>
-          <p:cNvSpPr/>
-          <p:nvPr/>
-        </p:nvSpPr>
-        <p:spPr>
-          <a:xfrm>
-            <a:off x="809150" y="965089"/>
-            <a:ext cx="577893" cy="843976"/>
-          </a:xfrm>
-          <a:prstGeom prst="roundRect">
-            <a:avLst/>
-          </a:prstGeom>
-          <a:ln w="9525"/>
-        </p:spPr>
-        <p:style>
-          <a:lnRef idx="2">
-            <a:schemeClr val="dk1"/>
-          </a:lnRef>
-          <a:fillRef idx="1">
-            <a:schemeClr val="lt1"/>
-          </a:fillRef>
-          <a:effectRef idx="0">
-            <a:schemeClr val="dk1"/>
-          </a:effectRef>
-          <a:fontRef idx="minor">
-            <a:schemeClr val="dk1"/>
-          </a:fontRef>
-        </p:style>
-        <p:txBody>
-          <a:bodyPr lIns="0" tIns="0" rIns="0" bIns="0" rtlCol="0" anchor="ctr"/>
-          <a:lstStyle/>
-          <a:p>
-            <a:pPr algn="ctr"/>
-            <a:r>
-              <a:rPr kumimoji="1" lang="en-US" altLang="zh-CN" sz="800" dirty="0">
-                <a:latin typeface="Arial" panose="020B0604020202020204" pitchFamily="34" charset="0"/>
-                <a:cs typeface="Arial" panose="020B0604020202020204" pitchFamily="34" charset="0"/>
-              </a:rPr>
-              <a:t>The Muskingum Routing Method</a:t>
-            </a:r>
-            <a:endParaRPr kumimoji="1" lang="zh-CN" altLang="en-US" sz="800" dirty="0">
-              <a:latin typeface="Arial" panose="020B0604020202020204" pitchFamily="34" charset="0"/>
-              <a:cs typeface="Arial" panose="020B0604020202020204" pitchFamily="34" charset="0"/>
-            </a:endParaRPr>
-          </a:p>
-        </p:txBody>
-      </p:sp>
-      <p:cxnSp>
-        <p:nvCxnSpPr>
-          <p:cNvPr id="44" name="肘形连接符 43">
-            <a:extLst>
-              <a:ext uri="{FF2B5EF4-FFF2-40B4-BE49-F238E27FC236}">
-                <a16:creationId xmlns:a16="http://schemas.microsoft.com/office/drawing/2014/main" id="{AE05718A-02A3-6C66-F0F3-0F3F7C8952A3}"/>
-              </a:ext>
-            </a:extLst>
-          </p:cNvPr>
-          <p:cNvCxnSpPr>
-            <a:cxnSpLocks/>
-            <a:stCxn id="35" idx="3"/>
-            <a:endCxn id="40" idx="1"/>
-          </p:cNvCxnSpPr>
-          <p:nvPr/>
-        </p:nvCxnSpPr>
-        <p:spPr>
-          <a:xfrm>
-            <a:off x="682431" y="1042767"/>
-            <a:ext cx="126716" cy="344310"/>
-          </a:xfrm>
-          <a:prstGeom prst="bentConnector3">
-            <a:avLst>
-              <a:gd name="adj1" fmla="val 50000"/>
-            </a:avLst>
-          </a:prstGeom>
-          <a:ln w="9525">
-            <a:tailEnd type="triangle" w="sm" len="sm"/>
-          </a:ln>
-        </p:spPr>
-        <p:style>
-          <a:lnRef idx="1">
-            <a:schemeClr val="dk1"/>
-          </a:lnRef>
-          <a:fillRef idx="0">
-            <a:schemeClr val="dk1"/>
-          </a:fillRef>
-          <a:effectRef idx="0">
-            <a:schemeClr val="dk1"/>
-          </a:effectRef>
-          <a:fontRef idx="minor">
-            <a:schemeClr val="tx1"/>
-          </a:fontRef>
-        </p:style>
-      </p:cxnSp>
-      <p:cxnSp>
-        <p:nvCxnSpPr>
-          <p:cNvPr id="47" name="肘形连接符 46">
-            <a:extLst>
-              <a:ext uri="{FF2B5EF4-FFF2-40B4-BE49-F238E27FC236}">
-                <a16:creationId xmlns:a16="http://schemas.microsoft.com/office/drawing/2014/main" id="{660B98D5-D603-DFB3-B7BE-60B18EB33855}"/>
-              </a:ext>
-            </a:extLst>
-          </p:cNvPr>
-          <p:cNvCxnSpPr>
-            <a:cxnSpLocks/>
-            <a:stCxn id="36" idx="3"/>
-            <a:endCxn id="40" idx="1"/>
-          </p:cNvCxnSpPr>
-          <p:nvPr/>
-        </p:nvCxnSpPr>
-        <p:spPr>
-          <a:xfrm>
-            <a:off x="682431" y="1328737"/>
-            <a:ext cx="126716" cy="58340"/>
-          </a:xfrm>
-          <a:prstGeom prst="bentConnector3">
-            <a:avLst>
-              <a:gd name="adj1" fmla="val 50000"/>
-            </a:avLst>
-          </a:prstGeom>
-          <a:ln w="9525">
-            <a:tailEnd type="triangle" w="sm" len="sm"/>
-          </a:ln>
-        </p:spPr>
-        <p:style>
-          <a:lnRef idx="1">
-            <a:schemeClr val="dk1"/>
-          </a:lnRef>
-          <a:fillRef idx="0">
-            <a:schemeClr val="dk1"/>
-          </a:fillRef>
-          <a:effectRef idx="0">
-            <a:schemeClr val="dk1"/>
-          </a:effectRef>
-          <a:fontRef idx="minor">
-            <a:schemeClr val="tx1"/>
-          </a:fontRef>
-        </p:style>
-      </p:cxnSp>
-      <p:cxnSp>
-        <p:nvCxnSpPr>
-          <p:cNvPr id="50" name="肘形连接符 49">
-            <a:extLst>
-              <a:ext uri="{FF2B5EF4-FFF2-40B4-BE49-F238E27FC236}">
-                <a16:creationId xmlns:a16="http://schemas.microsoft.com/office/drawing/2014/main" id="{4DCB27BF-574B-B0A6-BC9E-7A7637BC3CFB}"/>
-              </a:ext>
-            </a:extLst>
-          </p:cNvPr>
-          <p:cNvCxnSpPr>
-            <a:cxnSpLocks/>
-            <a:stCxn id="38" idx="3"/>
-            <a:endCxn id="40" idx="1"/>
-          </p:cNvCxnSpPr>
-          <p:nvPr/>
-        </p:nvCxnSpPr>
-        <p:spPr>
-          <a:xfrm flipV="1">
-            <a:off x="682431" y="1387080"/>
-            <a:ext cx="126716" cy="337741"/>
-          </a:xfrm>
-          <a:prstGeom prst="bentConnector3">
-            <a:avLst>
-              <a:gd name="adj1" fmla="val 50000"/>
-            </a:avLst>
-          </a:prstGeom>
-          <a:ln w="9525">
-            <a:tailEnd type="triangle" w="sm" len="sm"/>
-          </a:ln>
-        </p:spPr>
-        <p:style>
-          <a:lnRef idx="1">
-            <a:schemeClr val="dk1"/>
-          </a:lnRef>
-          <a:fillRef idx="0">
-            <a:schemeClr val="dk1"/>
-          </a:fillRef>
-          <a:effectRef idx="0">
-            <a:schemeClr val="dk1"/>
-          </a:effectRef>
-          <a:fontRef idx="minor">
-            <a:schemeClr val="tx1"/>
-          </a:fontRef>
-        </p:style>
-      </p:cxnSp>
-      <p:sp>
-        <p:nvSpPr>
-          <p:cNvPr id="68" name="圆角矩形 67">
-            <a:extLst>
-              <a:ext uri="{FF2B5EF4-FFF2-40B4-BE49-F238E27FC236}">
-                <a16:creationId xmlns:a16="http://schemas.microsoft.com/office/drawing/2014/main" id="{249DBE49-E3AF-1858-93FE-9F66FEEE40AF}"/>
-              </a:ext>
-            </a:extLst>
-          </p:cNvPr>
-          <p:cNvSpPr/>
-          <p:nvPr/>
-        </p:nvSpPr>
-        <p:spPr>
-          <a:xfrm>
-            <a:off x="1528455" y="922117"/>
-            <a:ext cx="612767" cy="241300"/>
-          </a:xfrm>
-          <a:prstGeom prst="roundRect">
-            <a:avLst/>
-          </a:prstGeom>
-          <a:ln w="9525"/>
-        </p:spPr>
-        <p:style>
-          <a:lnRef idx="2">
-            <a:schemeClr val="dk1"/>
-          </a:lnRef>
-          <a:fillRef idx="1">
-            <a:schemeClr val="lt1"/>
-          </a:fillRef>
-          <a:effectRef idx="0">
-            <a:schemeClr val="dk1"/>
-          </a:effectRef>
-          <a:fontRef idx="minor">
-            <a:schemeClr val="dk1"/>
-          </a:fontRef>
-        </p:style>
-        <p:txBody>
-          <a:bodyPr lIns="0" tIns="0" rIns="0" bIns="0" rtlCol="0" anchor="ctr"/>
-          <a:lstStyle/>
-          <a:p>
-            <a:pPr algn="ctr"/>
-            <a:r>
-              <a:rPr kumimoji="1" lang="en-US" altLang="zh-CN" sz="800" dirty="0">
-                <a:latin typeface="Arial" panose="020B0604020202020204" pitchFamily="34" charset="0"/>
-                <a:cs typeface="Arial" panose="020B0604020202020204" pitchFamily="34" charset="0"/>
-              </a:rPr>
-              <a:t>Streamflow Estimate 1</a:t>
-            </a:r>
-            <a:endParaRPr kumimoji="1" lang="zh-CN" altLang="en-US" sz="800" dirty="0">
-              <a:latin typeface="Arial" panose="020B0604020202020204" pitchFamily="34" charset="0"/>
-              <a:cs typeface="Arial" panose="020B0604020202020204" pitchFamily="34" charset="0"/>
-            </a:endParaRPr>
-          </a:p>
-        </p:txBody>
-      </p:sp>
-      <p:sp>
-        <p:nvSpPr>
-          <p:cNvPr id="69" name="圆角矩形 68">
-            <a:extLst>
-              <a:ext uri="{FF2B5EF4-FFF2-40B4-BE49-F238E27FC236}">
-                <a16:creationId xmlns:a16="http://schemas.microsoft.com/office/drawing/2014/main" id="{23666EE8-3042-7928-CBF4-20C9BC6E7F51}"/>
-              </a:ext>
-            </a:extLst>
-          </p:cNvPr>
-          <p:cNvSpPr/>
-          <p:nvPr/>
-        </p:nvSpPr>
-        <p:spPr>
-          <a:xfrm>
-            <a:off x="1528454" y="1239757"/>
-            <a:ext cx="612767" cy="241300"/>
-          </a:xfrm>
-          <a:prstGeom prst="roundRect">
-            <a:avLst/>
-          </a:prstGeom>
-          <a:ln w="9525"/>
-        </p:spPr>
-        <p:style>
-          <a:lnRef idx="2">
-            <a:schemeClr val="dk1"/>
-          </a:lnRef>
-          <a:fillRef idx="1">
-            <a:schemeClr val="lt1"/>
-          </a:fillRef>
-          <a:effectRef idx="0">
-            <a:schemeClr val="dk1"/>
-          </a:effectRef>
-          <a:fontRef idx="minor">
-            <a:schemeClr val="dk1"/>
-          </a:fontRef>
-        </p:style>
-        <p:txBody>
-          <a:bodyPr lIns="0" tIns="0" rIns="0" bIns="0" rtlCol="0" anchor="ctr"/>
-          <a:lstStyle/>
-          <a:p>
-            <a:pPr algn="ctr"/>
-            <a:r>
-              <a:rPr kumimoji="1" lang="en-US" altLang="zh-CN" sz="800" dirty="0">
-                <a:latin typeface="Arial" panose="020B0604020202020204" pitchFamily="34" charset="0"/>
-                <a:cs typeface="Arial" panose="020B0604020202020204" pitchFamily="34" charset="0"/>
-              </a:rPr>
-              <a:t>Streamflow Estimate 2</a:t>
-            </a:r>
-            <a:endParaRPr kumimoji="1" lang="zh-CN" altLang="en-US" sz="800" dirty="0">
-              <a:latin typeface="Arial" panose="020B0604020202020204" pitchFamily="34" charset="0"/>
-              <a:cs typeface="Arial" panose="020B0604020202020204" pitchFamily="34" charset="0"/>
-            </a:endParaRPr>
-          </a:p>
-        </p:txBody>
-      </p:sp>
-      <p:sp>
-        <p:nvSpPr>
-          <p:cNvPr id="70" name="圆角矩形 69">
-            <a:extLst>
-              <a:ext uri="{FF2B5EF4-FFF2-40B4-BE49-F238E27FC236}">
-                <a16:creationId xmlns:a16="http://schemas.microsoft.com/office/drawing/2014/main" id="{8E1A5A5F-EF4C-601C-9A7D-60B337E650A0}"/>
-              </a:ext>
-            </a:extLst>
-          </p:cNvPr>
-          <p:cNvSpPr/>
-          <p:nvPr/>
-        </p:nvSpPr>
-        <p:spPr>
-          <a:xfrm>
-            <a:off x="1528454" y="1604168"/>
-            <a:ext cx="612767" cy="241300"/>
-          </a:xfrm>
-          <a:prstGeom prst="roundRect">
-            <a:avLst/>
-          </a:prstGeom>
-          <a:ln w="9525"/>
-        </p:spPr>
-        <p:style>
-          <a:lnRef idx="2">
-            <a:schemeClr val="dk1"/>
-          </a:lnRef>
-          <a:fillRef idx="1">
-            <a:schemeClr val="lt1"/>
-          </a:fillRef>
-          <a:effectRef idx="0">
-            <a:schemeClr val="dk1"/>
-          </a:effectRef>
-          <a:fontRef idx="minor">
-            <a:schemeClr val="dk1"/>
-          </a:fontRef>
-        </p:style>
-        <p:txBody>
-          <a:bodyPr lIns="0" tIns="0" rIns="0" bIns="0" rtlCol="0" anchor="ctr"/>
-          <a:lstStyle/>
-          <a:p>
-            <a:pPr algn="ctr"/>
-            <a:r>
-              <a:rPr kumimoji="1" lang="en-US" altLang="zh-CN" sz="800" dirty="0">
-                <a:latin typeface="Arial" panose="020B0604020202020204" pitchFamily="34" charset="0"/>
-                <a:cs typeface="Arial" panose="020B0604020202020204" pitchFamily="34" charset="0"/>
-              </a:rPr>
-              <a:t>Streamflow Estimate N</a:t>
-            </a:r>
-            <a:endParaRPr kumimoji="1" lang="zh-CN" altLang="en-US" sz="800" dirty="0">
-              <a:latin typeface="Arial" panose="020B0604020202020204" pitchFamily="34" charset="0"/>
-              <a:cs typeface="Arial" panose="020B0604020202020204" pitchFamily="34" charset="0"/>
-            </a:endParaRPr>
-          </a:p>
-        </p:txBody>
-      </p:sp>
-      <p:cxnSp>
-        <p:nvCxnSpPr>
-          <p:cNvPr id="71" name="肘形连接符 70">
-            <a:extLst>
-              <a:ext uri="{FF2B5EF4-FFF2-40B4-BE49-F238E27FC236}">
-                <a16:creationId xmlns:a16="http://schemas.microsoft.com/office/drawing/2014/main" id="{94E325C4-08D3-4350-295F-24C19278299C}"/>
-              </a:ext>
-            </a:extLst>
-          </p:cNvPr>
-          <p:cNvCxnSpPr>
-            <a:cxnSpLocks/>
-            <a:stCxn id="40" idx="3"/>
-            <a:endCxn id="68" idx="1"/>
-          </p:cNvCxnSpPr>
-          <p:nvPr/>
-        </p:nvCxnSpPr>
-        <p:spPr>
-          <a:xfrm flipV="1">
-            <a:off x="1387040" y="1042767"/>
-            <a:ext cx="141412" cy="344310"/>
-          </a:xfrm>
-          <a:prstGeom prst="bentConnector3">
-            <a:avLst>
-              <a:gd name="adj1" fmla="val 50000"/>
-            </a:avLst>
-          </a:prstGeom>
-          <a:ln w="9525">
-            <a:tailEnd type="triangle" w="sm" len="sm"/>
-          </a:ln>
-        </p:spPr>
-        <p:style>
-          <a:lnRef idx="1">
-            <a:schemeClr val="dk1"/>
-          </a:lnRef>
-          <a:fillRef idx="0">
-            <a:schemeClr val="dk1"/>
-          </a:fillRef>
-          <a:effectRef idx="0">
-            <a:schemeClr val="dk1"/>
-          </a:effectRef>
-          <a:fontRef idx="minor">
-            <a:schemeClr val="tx1"/>
-          </a:fontRef>
-        </p:style>
-      </p:cxnSp>
-      <p:cxnSp>
-        <p:nvCxnSpPr>
-          <p:cNvPr id="74" name="肘形连接符 73">
-            <a:extLst>
-              <a:ext uri="{FF2B5EF4-FFF2-40B4-BE49-F238E27FC236}">
-                <a16:creationId xmlns:a16="http://schemas.microsoft.com/office/drawing/2014/main" id="{80C37264-37D2-31F5-43E2-5AE2913A9BD7}"/>
-              </a:ext>
-            </a:extLst>
-          </p:cNvPr>
-          <p:cNvCxnSpPr>
-            <a:cxnSpLocks/>
-            <a:stCxn id="40" idx="3"/>
-            <a:endCxn id="69" idx="1"/>
-          </p:cNvCxnSpPr>
-          <p:nvPr/>
-        </p:nvCxnSpPr>
-        <p:spPr>
-          <a:xfrm flipV="1">
-            <a:off x="1387043" y="1360407"/>
-            <a:ext cx="141411" cy="26670"/>
-          </a:xfrm>
-          <a:prstGeom prst="bentConnector3">
-            <a:avLst>
-              <a:gd name="adj1" fmla="val 50000"/>
-            </a:avLst>
-          </a:prstGeom>
-          <a:ln w="9525">
-            <a:tailEnd type="triangle" w="sm" len="sm"/>
-          </a:ln>
-        </p:spPr>
-        <p:style>
-          <a:lnRef idx="1">
-            <a:schemeClr val="dk1"/>
-          </a:lnRef>
-          <a:fillRef idx="0">
-            <a:schemeClr val="dk1"/>
-          </a:fillRef>
-          <a:effectRef idx="0">
-            <a:schemeClr val="dk1"/>
-          </a:effectRef>
-          <a:fontRef idx="minor">
-            <a:schemeClr val="tx1"/>
-          </a:fontRef>
-        </p:style>
-      </p:cxnSp>
-      <p:cxnSp>
-        <p:nvCxnSpPr>
-          <p:cNvPr id="77" name="肘形连接符 76">
-            <a:extLst>
-              <a:ext uri="{FF2B5EF4-FFF2-40B4-BE49-F238E27FC236}">
-                <a16:creationId xmlns:a16="http://schemas.microsoft.com/office/drawing/2014/main" id="{E25F76A4-B362-672D-3543-D3B1E189B0A0}"/>
-              </a:ext>
-            </a:extLst>
-          </p:cNvPr>
-          <p:cNvCxnSpPr>
-            <a:cxnSpLocks/>
-            <a:stCxn id="40" idx="3"/>
-            <a:endCxn id="70" idx="1"/>
-          </p:cNvCxnSpPr>
-          <p:nvPr/>
-        </p:nvCxnSpPr>
-        <p:spPr>
-          <a:xfrm>
-            <a:off x="1387043" y="1387080"/>
-            <a:ext cx="141411" cy="337741"/>
-          </a:xfrm>
-          <a:prstGeom prst="bentConnector3">
-            <a:avLst>
-              <a:gd name="adj1" fmla="val 50000"/>
-            </a:avLst>
-          </a:prstGeom>
-          <a:ln w="9525">
-            <a:tailEnd type="triangle" w="sm" len="sm"/>
-          </a:ln>
-        </p:spPr>
-        <p:style>
-          <a:lnRef idx="1">
-            <a:schemeClr val="dk1"/>
-          </a:lnRef>
-          <a:fillRef idx="0">
-            <a:schemeClr val="dk1"/>
-          </a:fillRef>
-          <a:effectRef idx="0">
-            <a:schemeClr val="dk1"/>
-          </a:effectRef>
-          <a:fontRef idx="minor">
-            <a:schemeClr val="tx1"/>
-          </a:fontRef>
-        </p:style>
-      </p:cxnSp>
-      <p:sp>
-        <p:nvSpPr>
-          <p:cNvPr id="80" name="文本框 79">
-            <a:extLst>
-              <a:ext uri="{FF2B5EF4-FFF2-40B4-BE49-F238E27FC236}">
-                <a16:creationId xmlns:a16="http://schemas.microsoft.com/office/drawing/2014/main" id="{B29E6212-28E6-7760-1875-7691D9F551BF}"/>
-              </a:ext>
-            </a:extLst>
-          </p:cNvPr>
-          <p:cNvSpPr txBox="1"/>
-          <p:nvPr/>
-        </p:nvSpPr>
-        <p:spPr>
-          <a:xfrm>
-            <a:off x="1645439" y="1369063"/>
-            <a:ext cx="306742" cy="246221"/>
-          </a:xfrm>
-          <a:prstGeom prst="rect">
-            <a:avLst/>
-          </a:prstGeom>
-          <a:noFill/>
-        </p:spPr>
-        <p:txBody>
-          <a:bodyPr wrap="square" rtlCol="0">
-            <a:spAutoFit/>
-          </a:bodyPr>
-          <a:lstStyle/>
-          <a:p>
-            <a:pPr algn="ctr"/>
-            <a:r>
-              <a:rPr kumimoji="1" lang="en-US" altLang="zh-CN" sz="1000" dirty="0">
-                <a:latin typeface="Arial" panose="020B0604020202020204" pitchFamily="34" charset="0"/>
-                <a:cs typeface="Arial" panose="020B0604020202020204" pitchFamily="34" charset="0"/>
-              </a:rPr>
-              <a:t>…</a:t>
-            </a:r>
-            <a:endParaRPr kumimoji="1" lang="zh-CN" altLang="en-US" sz="1000" dirty="0">
-              <a:latin typeface="Arial" panose="020B0604020202020204" pitchFamily="34" charset="0"/>
-              <a:cs typeface="Arial" panose="020B0604020202020204" pitchFamily="34" charset="0"/>
-            </a:endParaRPr>
-          </a:p>
-        </p:txBody>
-      </p:sp>
-      <p:sp>
-        <p:nvSpPr>
-          <p:cNvPr id="87" name="圆角矩形 86">
-            <a:extLst>
-              <a:ext uri="{FF2B5EF4-FFF2-40B4-BE49-F238E27FC236}">
-                <a16:creationId xmlns:a16="http://schemas.microsoft.com/office/drawing/2014/main" id="{9C68C580-1044-DE75-3941-7D4DB4CAD160}"/>
-              </a:ext>
-            </a:extLst>
-          </p:cNvPr>
-          <p:cNvSpPr/>
-          <p:nvPr/>
-        </p:nvSpPr>
-        <p:spPr>
-          <a:xfrm>
-            <a:off x="2258206" y="1122600"/>
-            <a:ext cx="564700" cy="470614"/>
-          </a:xfrm>
-          <a:prstGeom prst="roundRect">
-            <a:avLst/>
-          </a:prstGeom>
-          <a:ln w="9525"/>
-        </p:spPr>
-        <p:style>
-          <a:lnRef idx="2">
-            <a:schemeClr val="dk1"/>
-          </a:lnRef>
-          <a:fillRef idx="1">
-            <a:schemeClr val="lt1"/>
-          </a:fillRef>
-          <a:effectRef idx="0">
-            <a:schemeClr val="dk1"/>
-          </a:effectRef>
-          <a:fontRef idx="minor">
-            <a:schemeClr val="dk1"/>
-          </a:fontRef>
-        </p:style>
-        <p:txBody>
-          <a:bodyPr lIns="0" tIns="0" rIns="0" bIns="0" rtlCol="0" anchor="ctr"/>
-          <a:lstStyle/>
-          <a:p>
-            <a:pPr algn="ctr"/>
-            <a:r>
-              <a:rPr kumimoji="1" lang="en-US" altLang="zh-CN" sz="800" dirty="0">
-                <a:latin typeface="Arial" panose="020B0604020202020204" pitchFamily="34" charset="0"/>
-                <a:cs typeface="Arial" panose="020B0604020202020204" pitchFamily="34" charset="0"/>
-              </a:rPr>
-              <a:t>The Optimal</a:t>
-            </a:r>
-          </a:p>
-          <a:p>
-            <a:pPr algn="ctr"/>
-            <a:r>
-              <a:rPr kumimoji="1" lang="en-US" altLang="zh-CN" sz="800" dirty="0">
-                <a:latin typeface="Arial" panose="020B0604020202020204" pitchFamily="34" charset="0"/>
-                <a:cs typeface="Arial" panose="020B0604020202020204" pitchFamily="34" charset="0"/>
-              </a:rPr>
-              <a:t>Streamflow</a:t>
-            </a:r>
-          </a:p>
-          <a:p>
-            <a:pPr algn="ctr"/>
-            <a:r>
-              <a:rPr kumimoji="1" lang="en-US" altLang="zh-CN" sz="800" dirty="0">
-                <a:latin typeface="Arial" panose="020B0604020202020204" pitchFamily="34" charset="0"/>
-                <a:cs typeface="Arial" panose="020B0604020202020204" pitchFamily="34" charset="0"/>
-              </a:rPr>
-              <a:t>Estimate</a:t>
-            </a:r>
-            <a:endParaRPr kumimoji="1" lang="zh-CN" altLang="en-US" sz="800" dirty="0">
-              <a:latin typeface="Arial" panose="020B0604020202020204" pitchFamily="34" charset="0"/>
-              <a:cs typeface="Arial" panose="020B0604020202020204" pitchFamily="34" charset="0"/>
-            </a:endParaRPr>
-          </a:p>
-        </p:txBody>
-      </p:sp>
-      <p:sp>
-        <p:nvSpPr>
-          <p:cNvPr id="88" name="右大括号 87">
-            <a:extLst>
-              <a:ext uri="{FF2B5EF4-FFF2-40B4-BE49-F238E27FC236}">
-                <a16:creationId xmlns:a16="http://schemas.microsoft.com/office/drawing/2014/main" id="{C1C4998A-0A4E-A8D0-3FB2-74695A3CB687}"/>
-              </a:ext>
-            </a:extLst>
-          </p:cNvPr>
-          <p:cNvSpPr/>
-          <p:nvPr/>
-        </p:nvSpPr>
-        <p:spPr>
-          <a:xfrm>
-            <a:off x="2137941" y="964197"/>
-            <a:ext cx="116008" cy="801004"/>
-          </a:xfrm>
-          <a:prstGeom prst="rightBrace">
-            <a:avLst/>
-          </a:prstGeom>
-          <a:ln w="9525"/>
-        </p:spPr>
-        <p:style>
-          <a:lnRef idx="2">
-            <a:schemeClr val="dk1"/>
-          </a:lnRef>
-          <a:fillRef idx="0">
-            <a:schemeClr val="dk1"/>
-          </a:fillRef>
-          <a:effectRef idx="1">
-            <a:schemeClr val="dk1"/>
-          </a:effectRef>
-          <a:fontRef idx="minor">
-            <a:schemeClr val="tx1"/>
-          </a:fontRef>
-        </p:style>
-        <p:txBody>
-          <a:bodyPr rtlCol="0" anchor="ctr"/>
-          <a:lstStyle/>
-          <a:p>
-            <a:pPr algn="ctr"/>
-            <a:endParaRPr kumimoji="1" lang="zh-CN" altLang="en-US"/>
-          </a:p>
-        </p:txBody>
-      </p:sp>
-      <p:sp>
-        <p:nvSpPr>
-          <p:cNvPr id="89" name="文本框 88">
-            <a:extLst>
-              <a:ext uri="{FF2B5EF4-FFF2-40B4-BE49-F238E27FC236}">
-                <a16:creationId xmlns:a16="http://schemas.microsoft.com/office/drawing/2014/main" id="{86EF5F6D-EFE8-4220-ECFB-6FEB14BDDDE4}"/>
-              </a:ext>
-            </a:extLst>
-          </p:cNvPr>
-          <p:cNvSpPr txBox="1"/>
-          <p:nvPr/>
-        </p:nvSpPr>
-        <p:spPr>
-          <a:xfrm>
-            <a:off x="48878" y="1926918"/>
-            <a:ext cx="2794987" cy="369332"/>
-          </a:xfrm>
-          <a:prstGeom prst="rect">
-            <a:avLst/>
-          </a:prstGeom>
-          <a:noFill/>
-        </p:spPr>
-        <p:txBody>
-          <a:bodyPr wrap="square" lIns="0" tIns="0" rIns="0" bIns="0" rtlCol="0">
-            <a:spAutoFit/>
-          </a:bodyPr>
-          <a:lstStyle/>
-          <a:p>
-            <a:r>
-              <a:rPr kumimoji="1" lang="en-US" altLang="zh-CN" sz="800" dirty="0">
-                <a:latin typeface="Arial" panose="020B0604020202020204" pitchFamily="34" charset="0"/>
-                <a:cs typeface="Arial" panose="020B0604020202020204" pitchFamily="34" charset="0"/>
-              </a:rPr>
-              <a:t>Loop through the gauges, from upstream to downstream, find the optimal estimate for the gauge, and use the estimate for the next gauge.</a:t>
-            </a:r>
-            <a:endParaRPr kumimoji="1" lang="zh-CN" altLang="en-US" sz="800" dirty="0">
-              <a:latin typeface="Arial" panose="020B0604020202020204" pitchFamily="34" charset="0"/>
-              <a:cs typeface="Arial" panose="020B0604020202020204" pitchFamily="34" charset="0"/>
-            </a:endParaRPr>
-          </a:p>
-        </p:txBody>
-      </p:sp>
       <p:cxnSp>
         <p:nvCxnSpPr>
           <p:cNvPr id="91" name="直线箭头连接符 90">
@@ -4493,95 +3233,9 @@
           <p:nvPr/>
         </p:nvCxnSpPr>
         <p:spPr>
-          <a:xfrm>
-            <a:off x="211438" y="532622"/>
-            <a:ext cx="1" cy="76295"/>
-          </a:xfrm>
-          <a:prstGeom prst="straightConnector1">
-            <a:avLst/>
-          </a:prstGeom>
-          <a:ln w="9525">
-            <a:tailEnd type="triangle" w="sm" len="sm"/>
-          </a:ln>
-        </p:spPr>
-        <p:style>
-          <a:lnRef idx="1">
-            <a:schemeClr val="dk1"/>
-          </a:lnRef>
-          <a:fillRef idx="0">
-            <a:schemeClr val="dk1"/>
-          </a:fillRef>
-          <a:effectRef idx="0">
-            <a:schemeClr val="dk1"/>
-          </a:effectRef>
-          <a:fontRef idx="minor">
-            <a:schemeClr val="tx1"/>
-          </a:fontRef>
-        </p:style>
-      </p:cxnSp>
-      <p:cxnSp>
-        <p:nvCxnSpPr>
-          <p:cNvPr id="92" name="直线箭头连接符 91">
-            <a:extLst>
-              <a:ext uri="{FF2B5EF4-FFF2-40B4-BE49-F238E27FC236}">
-                <a16:creationId xmlns:a16="http://schemas.microsoft.com/office/drawing/2014/main" id="{87977C9A-C704-D3F8-B90A-916E84A3ECB8}"/>
-              </a:ext>
-            </a:extLst>
-          </p:cNvPr>
-          <p:cNvCxnSpPr>
-            <a:cxnSpLocks/>
-            <a:stCxn id="10" idx="2"/>
-            <a:endCxn id="3" idx="0"/>
-          </p:cNvCxnSpPr>
-          <p:nvPr/>
-        </p:nvCxnSpPr>
-        <p:spPr>
-          <a:xfrm>
-            <a:off x="824705" y="532622"/>
-            <a:ext cx="1" cy="76295"/>
-          </a:xfrm>
-          <a:prstGeom prst="straightConnector1">
-            <a:avLst/>
-          </a:prstGeom>
-          <a:ln w="9525">
-            <a:tailEnd type="triangle" w="sm" len="sm"/>
-          </a:ln>
-        </p:spPr>
-        <p:style>
-          <a:lnRef idx="1">
-            <a:schemeClr val="dk1"/>
-          </a:lnRef>
-          <a:fillRef idx="0">
-            <a:schemeClr val="dk1"/>
-          </a:fillRef>
-          <a:effectRef idx="0">
-            <a:schemeClr val="dk1"/>
-          </a:effectRef>
-          <a:fontRef idx="minor">
-            <a:schemeClr val="tx1"/>
-          </a:fontRef>
-        </p:style>
-      </p:cxnSp>
-      <p:cxnSp>
-        <p:nvCxnSpPr>
-          <p:cNvPr id="94" name="直线箭头连接符 93">
-            <a:extLst>
-              <a:ext uri="{FF2B5EF4-FFF2-40B4-BE49-F238E27FC236}">
-                <a16:creationId xmlns:a16="http://schemas.microsoft.com/office/drawing/2014/main" id="{C585C4D1-649C-9096-EFC6-581981B8EA93}"/>
-              </a:ext>
-            </a:extLst>
-          </p:cNvPr>
-          <p:cNvCxnSpPr>
-            <a:cxnSpLocks/>
-            <a:stCxn id="11" idx="2"/>
-            <a:endCxn id="6" idx="0"/>
-          </p:cNvCxnSpPr>
-          <p:nvPr/>
-        </p:nvCxnSpPr>
-        <p:spPr>
-          <a:xfrm>
-            <a:off x="1437973" y="532622"/>
-            <a:ext cx="1" cy="76295"/>
+          <a:xfrm flipH="1">
+            <a:off x="426780" y="457040"/>
+            <a:ext cx="2679" cy="71919"/>
           </a:xfrm>
           <a:prstGeom prst="straightConnector1">
             <a:avLst/>
@@ -4616,15 +3270,15 @@
           </p:cNvPr>
           <p:cNvCxnSpPr>
             <a:cxnSpLocks/>
-            <a:stCxn id="12" idx="2"/>
+            <a:stCxn id="162" idx="2"/>
             <a:endCxn id="7" idx="0"/>
           </p:cNvCxnSpPr>
           <p:nvPr/>
         </p:nvCxnSpPr>
         <p:spPr>
           <a:xfrm>
-            <a:off x="2051161" y="532622"/>
-            <a:ext cx="1" cy="76295"/>
+            <a:off x="1434574" y="457040"/>
+            <a:ext cx="4655" cy="71919"/>
           </a:xfrm>
           <a:prstGeom prst="straightConnector1">
             <a:avLst/>
@@ -4659,501 +3313,15 @@
           </p:cNvPr>
           <p:cNvCxnSpPr>
             <a:cxnSpLocks/>
-            <a:stCxn id="13" idx="2"/>
+            <a:stCxn id="161" idx="2"/>
             <a:endCxn id="8" idx="0"/>
           </p:cNvCxnSpPr>
           <p:nvPr/>
         </p:nvCxnSpPr>
         <p:spPr>
           <a:xfrm>
-            <a:off x="2664288" y="532622"/>
-            <a:ext cx="1" cy="76295"/>
-          </a:xfrm>
-          <a:prstGeom prst="straightConnector1">
-            <a:avLst/>
-          </a:prstGeom>
-          <a:ln w="9525">
-            <a:tailEnd type="triangle" w="sm" len="sm"/>
-          </a:ln>
-        </p:spPr>
-        <p:style>
-          <a:lnRef idx="1">
-            <a:schemeClr val="dk1"/>
-          </a:lnRef>
-          <a:fillRef idx="0">
-            <a:schemeClr val="dk1"/>
-          </a:fillRef>
-          <a:effectRef idx="0">
-            <a:schemeClr val="dk1"/>
-          </a:effectRef>
-          <a:fontRef idx="minor">
-            <a:schemeClr val="tx1"/>
-          </a:fontRef>
-        </p:style>
-      </p:cxnSp>
-      <p:sp>
-        <p:nvSpPr>
-          <p:cNvPr id="102" name="圆角矩形 101">
-            <a:extLst>
-              <a:ext uri="{FF2B5EF4-FFF2-40B4-BE49-F238E27FC236}">
-                <a16:creationId xmlns:a16="http://schemas.microsoft.com/office/drawing/2014/main" id="{585408F9-A502-174B-F02B-1EB77E4DC7D3}"/>
-              </a:ext>
-            </a:extLst>
-          </p:cNvPr>
-          <p:cNvSpPr/>
-          <p:nvPr/>
-        </p:nvSpPr>
-        <p:spPr>
-          <a:xfrm>
-            <a:off x="29826" y="2457961"/>
-            <a:ext cx="550800" cy="180000"/>
-          </a:xfrm>
-          <a:prstGeom prst="roundRect">
-            <a:avLst/>
-          </a:prstGeom>
-          <a:ln w="9525"/>
-        </p:spPr>
-        <p:style>
-          <a:lnRef idx="2">
-            <a:schemeClr val="dk1"/>
-          </a:lnRef>
-          <a:fillRef idx="1">
-            <a:schemeClr val="lt1"/>
-          </a:fillRef>
-          <a:effectRef idx="0">
-            <a:schemeClr val="dk1"/>
-          </a:effectRef>
-          <a:fontRef idx="minor">
-            <a:schemeClr val="dk1"/>
-          </a:fontRef>
-        </p:style>
-        <p:txBody>
-          <a:bodyPr lIns="0" tIns="0" rIns="0" bIns="0" rtlCol="0" anchor="ctr"/>
-          <a:lstStyle/>
-          <a:p>
-            <a:pPr algn="ctr"/>
-            <a:r>
-              <a:rPr kumimoji="1" lang="en-US" altLang="zh-CN" sz="800" dirty="0">
-                <a:latin typeface="Arial" panose="020B0604020202020204" pitchFamily="34" charset="0"/>
-                <a:cs typeface="Arial" panose="020B0604020202020204" pitchFamily="34" charset="0"/>
-              </a:rPr>
-              <a:t>Streamflow</a:t>
-            </a:r>
-            <a:endParaRPr kumimoji="1" lang="zh-CN" altLang="en-US" sz="800" dirty="0">
-              <a:latin typeface="Arial" panose="020B0604020202020204" pitchFamily="34" charset="0"/>
-              <a:cs typeface="Arial" panose="020B0604020202020204" pitchFamily="34" charset="0"/>
-            </a:endParaRPr>
-          </a:p>
-        </p:txBody>
-      </p:sp>
-      <p:sp>
-        <p:nvSpPr>
-          <p:cNvPr id="105" name="圆角矩形 104">
-            <a:extLst>
-              <a:ext uri="{FF2B5EF4-FFF2-40B4-BE49-F238E27FC236}">
-                <a16:creationId xmlns:a16="http://schemas.microsoft.com/office/drawing/2014/main" id="{A4EB47C6-5743-D7D3-C6D3-088B55F9D892}"/>
-              </a:ext>
-            </a:extLst>
-          </p:cNvPr>
-          <p:cNvSpPr/>
-          <p:nvPr/>
-        </p:nvSpPr>
-        <p:spPr>
-          <a:xfrm>
-            <a:off x="598327" y="2457961"/>
-            <a:ext cx="550800" cy="180000"/>
-          </a:xfrm>
-          <a:prstGeom prst="roundRect">
-            <a:avLst/>
-          </a:prstGeom>
-          <a:ln w="9525"/>
-        </p:spPr>
-        <p:style>
-          <a:lnRef idx="2">
-            <a:schemeClr val="dk1"/>
-          </a:lnRef>
-          <a:fillRef idx="1">
-            <a:schemeClr val="lt1"/>
-          </a:fillRef>
-          <a:effectRef idx="0">
-            <a:schemeClr val="dk1"/>
-          </a:effectRef>
-          <a:fontRef idx="minor">
-            <a:schemeClr val="dk1"/>
-          </a:fontRef>
-        </p:style>
-        <p:txBody>
-          <a:bodyPr lIns="0" tIns="0" rIns="0" bIns="0" rtlCol="0" anchor="ctr"/>
-          <a:lstStyle/>
-          <a:p>
-            <a:pPr algn="ctr"/>
-            <a:r>
-              <a:rPr kumimoji="1" lang="en-US" altLang="zh-CN" sz="800" dirty="0">
-                <a:latin typeface="Arial" panose="020B0604020202020204" pitchFamily="34" charset="0"/>
-                <a:cs typeface="Arial" panose="020B0604020202020204" pitchFamily="34" charset="0"/>
-              </a:rPr>
-              <a:t>Streamflow</a:t>
-            </a:r>
-            <a:endParaRPr kumimoji="1" lang="zh-CN" altLang="en-US" sz="800" dirty="0">
-              <a:latin typeface="Arial" panose="020B0604020202020204" pitchFamily="34" charset="0"/>
-              <a:cs typeface="Arial" panose="020B0604020202020204" pitchFamily="34" charset="0"/>
-            </a:endParaRPr>
-          </a:p>
-        </p:txBody>
-      </p:sp>
-      <p:sp>
-        <p:nvSpPr>
-          <p:cNvPr id="113" name="圆角矩形 112">
-            <a:extLst>
-              <a:ext uri="{FF2B5EF4-FFF2-40B4-BE49-F238E27FC236}">
-                <a16:creationId xmlns:a16="http://schemas.microsoft.com/office/drawing/2014/main" id="{648DB3F2-EDE7-03C6-4EC9-C5B618965D76}"/>
-              </a:ext>
-            </a:extLst>
-          </p:cNvPr>
-          <p:cNvSpPr/>
-          <p:nvPr/>
-        </p:nvSpPr>
-        <p:spPr>
-          <a:xfrm>
-            <a:off x="1166828" y="2457961"/>
-            <a:ext cx="550800" cy="180000"/>
-          </a:xfrm>
-          <a:prstGeom prst="roundRect">
-            <a:avLst/>
-          </a:prstGeom>
-          <a:ln w="9525"/>
-        </p:spPr>
-        <p:style>
-          <a:lnRef idx="2">
-            <a:schemeClr val="dk1"/>
-          </a:lnRef>
-          <a:fillRef idx="1">
-            <a:schemeClr val="lt1"/>
-          </a:fillRef>
-          <a:effectRef idx="0">
-            <a:schemeClr val="dk1"/>
-          </a:effectRef>
-          <a:fontRef idx="minor">
-            <a:schemeClr val="dk1"/>
-          </a:fontRef>
-        </p:style>
-        <p:txBody>
-          <a:bodyPr lIns="0" tIns="0" rIns="0" bIns="0" rtlCol="0" anchor="ctr"/>
-          <a:lstStyle/>
-          <a:p>
-            <a:pPr algn="ctr"/>
-            <a:r>
-              <a:rPr kumimoji="1" lang="en-US" altLang="zh-CN" sz="800" dirty="0">
-                <a:latin typeface="Arial" panose="020B0604020202020204" pitchFamily="34" charset="0"/>
-                <a:cs typeface="Arial" panose="020B0604020202020204" pitchFamily="34" charset="0"/>
-              </a:rPr>
-              <a:t>Streamflow</a:t>
-            </a:r>
-            <a:endParaRPr kumimoji="1" lang="zh-CN" altLang="en-US" sz="800" dirty="0">
-              <a:latin typeface="Arial" panose="020B0604020202020204" pitchFamily="34" charset="0"/>
-              <a:cs typeface="Arial" panose="020B0604020202020204" pitchFamily="34" charset="0"/>
-            </a:endParaRPr>
-          </a:p>
-        </p:txBody>
-      </p:sp>
-      <p:sp>
-        <p:nvSpPr>
-          <p:cNvPr id="114" name="圆角矩形 113">
-            <a:extLst>
-              <a:ext uri="{FF2B5EF4-FFF2-40B4-BE49-F238E27FC236}">
-                <a16:creationId xmlns:a16="http://schemas.microsoft.com/office/drawing/2014/main" id="{7D022CC1-CE26-CB8B-CAE0-E316A18F7074}"/>
-              </a:ext>
-            </a:extLst>
-          </p:cNvPr>
-          <p:cNvSpPr/>
-          <p:nvPr/>
-        </p:nvSpPr>
-        <p:spPr>
-          <a:xfrm>
-            <a:off x="1735329" y="2457961"/>
-            <a:ext cx="550800" cy="180000"/>
-          </a:xfrm>
-          <a:prstGeom prst="roundRect">
-            <a:avLst/>
-          </a:prstGeom>
-          <a:ln w="9525"/>
-        </p:spPr>
-        <p:style>
-          <a:lnRef idx="2">
-            <a:schemeClr val="dk1"/>
-          </a:lnRef>
-          <a:fillRef idx="1">
-            <a:schemeClr val="lt1"/>
-          </a:fillRef>
-          <a:effectRef idx="0">
-            <a:schemeClr val="dk1"/>
-          </a:effectRef>
-          <a:fontRef idx="minor">
-            <a:schemeClr val="dk1"/>
-          </a:fontRef>
-        </p:style>
-        <p:txBody>
-          <a:bodyPr lIns="0" tIns="0" rIns="0" bIns="0" rtlCol="0" anchor="ctr"/>
-          <a:lstStyle/>
-          <a:p>
-            <a:pPr algn="ctr"/>
-            <a:r>
-              <a:rPr kumimoji="1" lang="en-US" altLang="zh-CN" sz="800" dirty="0">
-                <a:latin typeface="Arial" panose="020B0604020202020204" pitchFamily="34" charset="0"/>
-                <a:cs typeface="Arial" panose="020B0604020202020204" pitchFamily="34" charset="0"/>
-              </a:rPr>
-              <a:t>Streamflow</a:t>
-            </a:r>
-            <a:endParaRPr kumimoji="1" lang="zh-CN" altLang="en-US" sz="800" dirty="0">
-              <a:latin typeface="Arial" panose="020B0604020202020204" pitchFamily="34" charset="0"/>
-              <a:cs typeface="Arial" panose="020B0604020202020204" pitchFamily="34" charset="0"/>
-            </a:endParaRPr>
-          </a:p>
-        </p:txBody>
-      </p:sp>
-      <p:sp>
-        <p:nvSpPr>
-          <p:cNvPr id="115" name="圆角矩形 114">
-            <a:extLst>
-              <a:ext uri="{FF2B5EF4-FFF2-40B4-BE49-F238E27FC236}">
-                <a16:creationId xmlns:a16="http://schemas.microsoft.com/office/drawing/2014/main" id="{661D7772-8F1F-B48F-765E-2BFFC3AFFB24}"/>
-              </a:ext>
-            </a:extLst>
-          </p:cNvPr>
-          <p:cNvSpPr/>
-          <p:nvPr/>
-        </p:nvSpPr>
-        <p:spPr>
-          <a:xfrm>
-            <a:off x="2303833" y="2457961"/>
-            <a:ext cx="552731" cy="180000"/>
-          </a:xfrm>
-          <a:prstGeom prst="roundRect">
-            <a:avLst/>
-          </a:prstGeom>
-          <a:ln w="9525"/>
-        </p:spPr>
-        <p:style>
-          <a:lnRef idx="2">
-            <a:schemeClr val="dk1"/>
-          </a:lnRef>
-          <a:fillRef idx="1">
-            <a:schemeClr val="lt1"/>
-          </a:fillRef>
-          <a:effectRef idx="0">
-            <a:schemeClr val="dk1"/>
-          </a:effectRef>
-          <a:fontRef idx="minor">
-            <a:schemeClr val="dk1"/>
-          </a:fontRef>
-        </p:style>
-        <p:txBody>
-          <a:bodyPr lIns="0" tIns="0" rIns="0" bIns="0" rtlCol="0" anchor="ctr"/>
-          <a:lstStyle/>
-          <a:p>
-            <a:pPr algn="ctr"/>
-            <a:r>
-              <a:rPr kumimoji="1" lang="en-US" altLang="zh-CN" sz="800" dirty="0">
-                <a:latin typeface="Arial" panose="020B0604020202020204" pitchFamily="34" charset="0"/>
-                <a:cs typeface="Arial" panose="020B0604020202020204" pitchFamily="34" charset="0"/>
-              </a:rPr>
-              <a:t>Streamflow</a:t>
-            </a:r>
-            <a:endParaRPr kumimoji="1" lang="zh-CN" altLang="en-US" sz="800" dirty="0">
-              <a:latin typeface="Arial" panose="020B0604020202020204" pitchFamily="34" charset="0"/>
-              <a:cs typeface="Arial" panose="020B0604020202020204" pitchFamily="34" charset="0"/>
-            </a:endParaRPr>
-          </a:p>
-        </p:txBody>
-      </p:sp>
-      <p:cxnSp>
-        <p:nvCxnSpPr>
-          <p:cNvPr id="119" name="直线箭头连接符 118">
-            <a:extLst>
-              <a:ext uri="{FF2B5EF4-FFF2-40B4-BE49-F238E27FC236}">
-                <a16:creationId xmlns:a16="http://schemas.microsoft.com/office/drawing/2014/main" id="{9ED4C8F3-D93B-0D30-65E0-1946D3F61D7D}"/>
-              </a:ext>
-            </a:extLst>
-          </p:cNvPr>
-          <p:cNvCxnSpPr>
-            <a:cxnSpLocks/>
-            <a:endCxn id="115" idx="0"/>
-          </p:cNvCxnSpPr>
-          <p:nvPr/>
-        </p:nvCxnSpPr>
-        <p:spPr>
-          <a:xfrm>
-            <a:off x="2580197" y="2355852"/>
-            <a:ext cx="0" cy="102111"/>
-          </a:xfrm>
-          <a:prstGeom prst="straightConnector1">
-            <a:avLst/>
-          </a:prstGeom>
-          <a:ln w="9525">
-            <a:tailEnd type="triangle" w="sm" len="sm"/>
-          </a:ln>
-        </p:spPr>
-        <p:style>
-          <a:lnRef idx="1">
-            <a:schemeClr val="dk1"/>
-          </a:lnRef>
-          <a:fillRef idx="0">
-            <a:schemeClr val="dk1"/>
-          </a:fillRef>
-          <a:effectRef idx="0">
-            <a:schemeClr val="dk1"/>
-          </a:effectRef>
-          <a:fontRef idx="minor">
-            <a:schemeClr val="tx1"/>
-          </a:fontRef>
-        </p:style>
-      </p:cxnSp>
-      <p:cxnSp>
-        <p:nvCxnSpPr>
-          <p:cNvPr id="122" name="直线箭头连接符 121">
-            <a:extLst>
-              <a:ext uri="{FF2B5EF4-FFF2-40B4-BE49-F238E27FC236}">
-                <a16:creationId xmlns:a16="http://schemas.microsoft.com/office/drawing/2014/main" id="{C42B1082-A107-6FFD-A614-E3D5631F31D0}"/>
-              </a:ext>
-            </a:extLst>
-          </p:cNvPr>
-          <p:cNvCxnSpPr>
-            <a:cxnSpLocks/>
-            <a:endCxn id="114" idx="0"/>
-          </p:cNvCxnSpPr>
-          <p:nvPr/>
-        </p:nvCxnSpPr>
-        <p:spPr>
-          <a:xfrm>
-            <a:off x="2010729" y="2355852"/>
-            <a:ext cx="0" cy="102111"/>
-          </a:xfrm>
-          <a:prstGeom prst="straightConnector1">
-            <a:avLst/>
-          </a:prstGeom>
-          <a:ln w="9525">
-            <a:tailEnd type="triangle" w="sm" len="sm"/>
-          </a:ln>
-        </p:spPr>
-        <p:style>
-          <a:lnRef idx="1">
-            <a:schemeClr val="dk1"/>
-          </a:lnRef>
-          <a:fillRef idx="0">
-            <a:schemeClr val="dk1"/>
-          </a:fillRef>
-          <a:effectRef idx="0">
-            <a:schemeClr val="dk1"/>
-          </a:effectRef>
-          <a:fontRef idx="minor">
-            <a:schemeClr val="tx1"/>
-          </a:fontRef>
-        </p:style>
-      </p:cxnSp>
-      <p:cxnSp>
-        <p:nvCxnSpPr>
-          <p:cNvPr id="126" name="直线箭头连接符 125">
-            <a:extLst>
-              <a:ext uri="{FF2B5EF4-FFF2-40B4-BE49-F238E27FC236}">
-                <a16:creationId xmlns:a16="http://schemas.microsoft.com/office/drawing/2014/main" id="{169E5A17-970E-B96C-5D09-DFBF361F846A}"/>
-              </a:ext>
-            </a:extLst>
-          </p:cNvPr>
-          <p:cNvCxnSpPr>
-            <a:cxnSpLocks/>
-            <a:stCxn id="32" idx="2"/>
-            <a:endCxn id="113" idx="0"/>
-          </p:cNvCxnSpPr>
-          <p:nvPr/>
-        </p:nvCxnSpPr>
-        <p:spPr>
-          <a:xfrm>
-            <a:off x="1439862" y="2355852"/>
-            <a:ext cx="2366" cy="102111"/>
-          </a:xfrm>
-          <a:prstGeom prst="straightConnector1">
-            <a:avLst/>
-          </a:prstGeom>
-          <a:ln w="9525">
-            <a:tailEnd type="triangle" w="sm" len="sm"/>
-          </a:ln>
-        </p:spPr>
-        <p:style>
-          <a:lnRef idx="1">
-            <a:schemeClr val="dk1"/>
-          </a:lnRef>
-          <a:fillRef idx="0">
-            <a:schemeClr val="dk1"/>
-          </a:fillRef>
-          <a:effectRef idx="0">
-            <a:schemeClr val="dk1"/>
-          </a:effectRef>
-          <a:fontRef idx="minor">
-            <a:schemeClr val="tx1"/>
-          </a:fontRef>
-        </p:style>
-      </p:cxnSp>
-      <p:cxnSp>
-        <p:nvCxnSpPr>
-          <p:cNvPr id="128" name="直线箭头连接符 127">
-            <a:extLst>
-              <a:ext uri="{FF2B5EF4-FFF2-40B4-BE49-F238E27FC236}">
-                <a16:creationId xmlns:a16="http://schemas.microsoft.com/office/drawing/2014/main" id="{66FCE4D8-B4DD-4A1C-C6BA-96E0F90DE5B9}"/>
-              </a:ext>
-            </a:extLst>
-          </p:cNvPr>
-          <p:cNvCxnSpPr>
-            <a:cxnSpLocks/>
-            <a:endCxn id="105" idx="0"/>
-          </p:cNvCxnSpPr>
-          <p:nvPr/>
-        </p:nvCxnSpPr>
-        <p:spPr>
-          <a:xfrm>
-            <a:off x="873727" y="2355852"/>
-            <a:ext cx="0" cy="102111"/>
-          </a:xfrm>
-          <a:prstGeom prst="straightConnector1">
-            <a:avLst/>
-          </a:prstGeom>
-          <a:ln w="9525">
-            <a:tailEnd type="triangle" w="sm" len="sm"/>
-          </a:ln>
-        </p:spPr>
-        <p:style>
-          <a:lnRef idx="1">
-            <a:schemeClr val="dk1"/>
-          </a:lnRef>
-          <a:fillRef idx="0">
-            <a:schemeClr val="dk1"/>
-          </a:fillRef>
-          <a:effectRef idx="0">
-            <a:schemeClr val="dk1"/>
-          </a:effectRef>
-          <a:fontRef idx="minor">
-            <a:schemeClr val="tx1"/>
-          </a:fontRef>
-        </p:style>
-      </p:cxnSp>
-      <p:cxnSp>
-        <p:nvCxnSpPr>
-          <p:cNvPr id="130" name="直线箭头连接符 129">
-            <a:extLst>
-              <a:ext uri="{FF2B5EF4-FFF2-40B4-BE49-F238E27FC236}">
-                <a16:creationId xmlns:a16="http://schemas.microsoft.com/office/drawing/2014/main" id="{E326AC76-1CC5-9D45-32BA-C89F7CFC3539}"/>
-              </a:ext>
-            </a:extLst>
-          </p:cNvPr>
-          <p:cNvCxnSpPr>
-            <a:cxnSpLocks/>
-            <a:endCxn id="102" idx="0"/>
-          </p:cNvCxnSpPr>
-          <p:nvPr/>
-        </p:nvCxnSpPr>
-        <p:spPr>
-          <a:xfrm>
-            <a:off x="305226" y="2355852"/>
-            <a:ext cx="0" cy="102111"/>
+            <a:off x="2439689" y="457040"/>
+            <a:ext cx="4" cy="71919"/>
           </a:xfrm>
           <a:prstGeom prst="straightConnector1">
             <a:avLst/>
@@ -5191,117 +3359,7 @@
         </p:nvSpPr>
         <p:spPr>
           <a:xfrm>
-            <a:off x="32284" y="608916"/>
-            <a:ext cx="358309" cy="180000"/>
-          </a:xfrm>
-          <a:prstGeom prst="roundRect">
-            <a:avLst/>
-          </a:prstGeom>
-          <a:ln w="9525"/>
-        </p:spPr>
-        <p:style>
-          <a:lnRef idx="2">
-            <a:schemeClr val="dk1"/>
-          </a:lnRef>
-          <a:fillRef idx="1">
-            <a:schemeClr val="lt1"/>
-          </a:fillRef>
-          <a:effectRef idx="0">
-            <a:schemeClr val="dk1"/>
-          </a:effectRef>
-          <a:fontRef idx="minor">
-            <a:schemeClr val="dk1"/>
-          </a:fontRef>
-        </p:style>
-        <p:txBody>
-          <a:bodyPr lIns="0" tIns="0" rIns="0" bIns="0" rtlCol="0" anchor="ctr"/>
-          <a:lstStyle/>
-          <a:p>
-            <a:pPr algn="ctr"/>
-            <a:r>
-              <a:rPr kumimoji="1" lang="en-US" altLang="zh-CN" sz="800" dirty="0">
-                <a:latin typeface="Arial" panose="020B0604020202020204" pitchFamily="34" charset="0"/>
-                <a:cs typeface="Arial" panose="020B0604020202020204" pitchFamily="34" charset="0"/>
-              </a:rPr>
-              <a:t>Runoff</a:t>
-            </a:r>
-            <a:endParaRPr kumimoji="1" lang="zh-CN" altLang="en-US" sz="800" dirty="0">
-              <a:latin typeface="Arial" panose="020B0604020202020204" pitchFamily="34" charset="0"/>
-              <a:cs typeface="Arial" panose="020B0604020202020204" pitchFamily="34" charset="0"/>
-            </a:endParaRPr>
-          </a:p>
-        </p:txBody>
-      </p:sp>
-      <p:sp>
-        <p:nvSpPr>
-          <p:cNvPr id="3" name="圆角矩形 2">
-            <a:extLst>
-              <a:ext uri="{FF2B5EF4-FFF2-40B4-BE49-F238E27FC236}">
-                <a16:creationId xmlns:a16="http://schemas.microsoft.com/office/drawing/2014/main" id="{6314F1ED-8C09-738C-1F8B-C985072FFEEB}"/>
-              </a:ext>
-            </a:extLst>
-          </p:cNvPr>
-          <p:cNvSpPr/>
-          <p:nvPr/>
-        </p:nvSpPr>
-        <p:spPr>
-          <a:xfrm>
-            <a:off x="645551" y="608916"/>
-            <a:ext cx="358309" cy="180000"/>
-          </a:xfrm>
-          <a:prstGeom prst="roundRect">
-            <a:avLst/>
-          </a:prstGeom>
-          <a:ln w="9525"/>
-        </p:spPr>
-        <p:style>
-          <a:lnRef idx="2">
-            <a:schemeClr val="dk1"/>
-          </a:lnRef>
-          <a:fillRef idx="1">
-            <a:schemeClr val="lt1"/>
-          </a:fillRef>
-          <a:effectRef idx="0">
-            <a:schemeClr val="dk1"/>
-          </a:effectRef>
-          <a:fontRef idx="minor">
-            <a:schemeClr val="dk1"/>
-          </a:fontRef>
-        </p:style>
-        <p:txBody>
-          <a:bodyPr lIns="0" tIns="0" rIns="0" bIns="0" rtlCol="0" anchor="ctr"/>
-          <a:lstStyle/>
-          <a:p>
-            <a:pPr algn="ctr"/>
-            <a:r>
-              <a:rPr kumimoji="1" lang="en-US" altLang="zh-CN" sz="800" dirty="0">
-                <a:latin typeface="Arial" panose="020B0604020202020204" pitchFamily="34" charset="0"/>
-                <a:cs typeface="Arial" panose="020B0604020202020204" pitchFamily="34" charset="0"/>
-              </a:rPr>
-              <a:t>Runoff</a:t>
-            </a:r>
-            <a:endParaRPr kumimoji="1" lang="zh-CN" altLang="en-US" sz="800" dirty="0">
-              <a:latin typeface="Arial" panose="020B0604020202020204" pitchFamily="34" charset="0"/>
-              <a:cs typeface="Arial" panose="020B0604020202020204" pitchFamily="34" charset="0"/>
-            </a:endParaRPr>
-          </a:p>
-        </p:txBody>
-      </p:sp>
-      <p:sp>
-        <p:nvSpPr>
-          <p:cNvPr id="6" name="圆角矩形 5">
-            <a:extLst>
-              <a:ext uri="{FF2B5EF4-FFF2-40B4-BE49-F238E27FC236}">
-                <a16:creationId xmlns:a16="http://schemas.microsoft.com/office/drawing/2014/main" id="{02E7CD2D-147F-F759-AE11-65940FEA56BB}"/>
-              </a:ext>
-            </a:extLst>
-          </p:cNvPr>
-          <p:cNvSpPr/>
-          <p:nvPr/>
-        </p:nvSpPr>
-        <p:spPr>
-          <a:xfrm>
-            <a:off x="1258819" y="608916"/>
+            <a:off x="247625" y="528958"/>
             <a:ext cx="358309" cy="180000"/>
           </a:xfrm>
           <a:prstGeom prst="roundRect">
@@ -5356,7 +3414,7 @@
         </p:nvSpPr>
         <p:spPr>
           <a:xfrm>
-            <a:off x="1872007" y="608916"/>
+            <a:off x="1260074" y="528958"/>
             <a:ext cx="358309" cy="180000"/>
           </a:xfrm>
           <a:prstGeom prst="roundRect">
@@ -5411,7 +3469,7 @@
         </p:nvSpPr>
         <p:spPr>
           <a:xfrm>
-            <a:off x="2484506" y="608916"/>
+            <a:off x="2259911" y="528958"/>
             <a:ext cx="359565" cy="180000"/>
           </a:xfrm>
           <a:prstGeom prst="roundRect">
@@ -5464,98 +3522,14 @@
           <p:cNvCxnSpPr>
             <a:cxnSpLocks/>
             <a:stCxn id="2" idx="2"/>
+            <a:endCxn id="18" idx="0"/>
           </p:cNvCxnSpPr>
           <p:nvPr/>
         </p:nvCxnSpPr>
         <p:spPr>
-          <a:xfrm>
-            <a:off x="211438" y="788916"/>
-            <a:ext cx="0" cy="106848"/>
-          </a:xfrm>
-          <a:prstGeom prst="straightConnector1">
-            <a:avLst/>
-          </a:prstGeom>
-          <a:ln w="9525">
-            <a:tailEnd type="triangle" w="sm" len="sm"/>
-          </a:ln>
-        </p:spPr>
-        <p:style>
-          <a:lnRef idx="1">
-            <a:schemeClr val="dk1"/>
-          </a:lnRef>
-          <a:fillRef idx="0">
-            <a:schemeClr val="dk1"/>
-          </a:fillRef>
-          <a:effectRef idx="0">
-            <a:schemeClr val="dk1"/>
-          </a:effectRef>
-          <a:fontRef idx="minor">
-            <a:schemeClr val="tx1"/>
-          </a:fontRef>
-        </p:style>
-      </p:cxnSp>
-      <p:cxnSp>
-        <p:nvCxnSpPr>
-          <p:cNvPr id="25" name="直线箭头连接符 24">
-            <a:extLst>
-              <a:ext uri="{FF2B5EF4-FFF2-40B4-BE49-F238E27FC236}">
-                <a16:creationId xmlns:a16="http://schemas.microsoft.com/office/drawing/2014/main" id="{D5498863-9E3D-23A7-084C-1696EF63552E}"/>
-              </a:ext>
-            </a:extLst>
-          </p:cNvPr>
-          <p:cNvCxnSpPr>
-            <a:cxnSpLocks/>
-            <a:stCxn id="3" idx="2"/>
-          </p:cNvCxnSpPr>
-          <p:nvPr/>
-        </p:nvCxnSpPr>
-        <p:spPr>
-          <a:xfrm>
-            <a:off x="824705" y="788917"/>
-            <a:ext cx="0" cy="116573"/>
-          </a:xfrm>
-          <a:prstGeom prst="straightConnector1">
-            <a:avLst/>
-          </a:prstGeom>
-          <a:ln w="9525">
-            <a:tailEnd type="triangle" w="sm" len="sm"/>
-          </a:ln>
-        </p:spPr>
-        <p:style>
-          <a:lnRef idx="1">
-            <a:schemeClr val="dk1"/>
-          </a:lnRef>
-          <a:fillRef idx="0">
-            <a:schemeClr val="dk1"/>
-          </a:fillRef>
-          <a:effectRef idx="0">
-            <a:schemeClr val="dk1"/>
-          </a:effectRef>
-          <a:fontRef idx="minor">
-            <a:schemeClr val="tx1"/>
-          </a:fontRef>
-        </p:style>
-      </p:cxnSp>
-      <p:cxnSp>
-        <p:nvCxnSpPr>
-          <p:cNvPr id="30" name="直线箭头连接符 29">
-            <a:extLst>
-              <a:ext uri="{FF2B5EF4-FFF2-40B4-BE49-F238E27FC236}">
-                <a16:creationId xmlns:a16="http://schemas.microsoft.com/office/drawing/2014/main" id="{1B5BF136-85C8-72EF-1627-4659538390C8}"/>
-              </a:ext>
-            </a:extLst>
-          </p:cNvPr>
-          <p:cNvCxnSpPr>
-            <a:cxnSpLocks/>
-            <a:stCxn id="6" idx="2"/>
-            <a:endCxn id="32" idx="0"/>
-          </p:cNvCxnSpPr>
-          <p:nvPr/>
-        </p:nvCxnSpPr>
-        <p:spPr>
-          <a:xfrm>
-            <a:off x="1437974" y="788916"/>
-            <a:ext cx="1889" cy="97702"/>
+          <a:xfrm flipH="1">
+            <a:off x="426775" y="708961"/>
+            <a:ext cx="2" cy="102539"/>
           </a:xfrm>
           <a:prstGeom prst="straightConnector1">
             <a:avLst/>
@@ -5591,13 +3565,14 @@
           <p:cNvCxnSpPr>
             <a:cxnSpLocks/>
             <a:stCxn id="7" idx="2"/>
+            <a:endCxn id="19" idx="0"/>
           </p:cNvCxnSpPr>
           <p:nvPr/>
         </p:nvCxnSpPr>
         <p:spPr>
           <a:xfrm>
-            <a:off x="2051161" y="788917"/>
-            <a:ext cx="0" cy="102111"/>
+            <a:off x="1439226" y="708961"/>
+            <a:ext cx="636" cy="99701"/>
           </a:xfrm>
           <a:prstGeom prst="straightConnector1">
             <a:avLst/>
@@ -5633,13 +3608,14 @@
           <p:cNvCxnSpPr>
             <a:cxnSpLocks/>
             <a:stCxn id="8" idx="2"/>
+            <a:endCxn id="15" idx="0"/>
           </p:cNvCxnSpPr>
           <p:nvPr/>
         </p:nvCxnSpPr>
         <p:spPr>
-          <a:xfrm>
-            <a:off x="2664288" y="788917"/>
-            <a:ext cx="0" cy="102111"/>
+          <a:xfrm flipH="1">
+            <a:off x="2439689" y="708961"/>
+            <a:ext cx="2" cy="107179"/>
           </a:xfrm>
           <a:prstGeom prst="straightConnector1">
             <a:avLst/>
@@ -5663,6 +3639,1647 @@
           </a:fontRef>
         </p:style>
       </p:cxnSp>
+      <p:sp>
+        <p:nvSpPr>
+          <p:cNvPr id="15" name="圆角矩形 14">
+            <a:extLst>
+              <a:ext uri="{FF2B5EF4-FFF2-40B4-BE49-F238E27FC236}">
+                <a16:creationId xmlns:a16="http://schemas.microsoft.com/office/drawing/2014/main" id="{296415AA-A9BD-84B6-A033-6B3AEF3D96FE}"/>
+              </a:ext>
+            </a:extLst>
+          </p:cNvPr>
+          <p:cNvSpPr/>
+          <p:nvPr/>
+        </p:nvSpPr>
+        <p:spPr>
+          <a:xfrm>
+            <a:off x="2025407" y="816137"/>
+            <a:ext cx="828564" cy="355998"/>
+          </a:xfrm>
+          <a:prstGeom prst="roundRect">
+            <a:avLst/>
+          </a:prstGeom>
+          <a:ln w="9525"/>
+        </p:spPr>
+        <p:style>
+          <a:lnRef idx="2">
+            <a:schemeClr val="dk1"/>
+          </a:lnRef>
+          <a:fillRef idx="1">
+            <a:schemeClr val="lt1"/>
+          </a:fillRef>
+          <a:effectRef idx="0">
+            <a:schemeClr val="dk1"/>
+          </a:effectRef>
+          <a:fontRef idx="minor">
+            <a:schemeClr val="dk1"/>
+          </a:fontRef>
+        </p:style>
+        <p:txBody>
+          <a:bodyPr lIns="0" tIns="0" rIns="0" bIns="0" rtlCol="0" anchor="ctr"/>
+          <a:lstStyle/>
+          <a:p>
+            <a:pPr algn="ctr"/>
+            <a:r>
+              <a:rPr kumimoji="1" lang="en-US" altLang="zh-CN" sz="800" dirty="0">
+                <a:latin typeface="Arial" panose="020B0604020202020204" pitchFamily="34" charset="0"/>
+                <a:cs typeface="Arial" panose="020B0604020202020204" pitchFamily="34" charset="0"/>
+              </a:rPr>
+              <a:t>Calibration of the Muskingum parameter</a:t>
+            </a:r>
+            <a:endParaRPr kumimoji="1" lang="zh-CN" altLang="en-US" sz="800" dirty="0">
+              <a:latin typeface="Arial" panose="020B0604020202020204" pitchFamily="34" charset="0"/>
+              <a:cs typeface="Arial" panose="020B0604020202020204" pitchFamily="34" charset="0"/>
+            </a:endParaRPr>
+          </a:p>
+        </p:txBody>
+      </p:sp>
+      <p:sp>
+        <p:nvSpPr>
+          <p:cNvPr id="18" name="圆角矩形 17">
+            <a:extLst>
+              <a:ext uri="{FF2B5EF4-FFF2-40B4-BE49-F238E27FC236}">
+                <a16:creationId xmlns:a16="http://schemas.microsoft.com/office/drawing/2014/main" id="{87E5B590-B8D8-72E4-E889-4FF2B2418445}"/>
+              </a:ext>
+            </a:extLst>
+          </p:cNvPr>
+          <p:cNvSpPr/>
+          <p:nvPr/>
+        </p:nvSpPr>
+        <p:spPr>
+          <a:xfrm>
+            <a:off x="12493" y="811497"/>
+            <a:ext cx="828564" cy="355998"/>
+          </a:xfrm>
+          <a:prstGeom prst="roundRect">
+            <a:avLst/>
+          </a:prstGeom>
+          <a:ln w="9525"/>
+        </p:spPr>
+        <p:style>
+          <a:lnRef idx="2">
+            <a:schemeClr val="dk1"/>
+          </a:lnRef>
+          <a:fillRef idx="1">
+            <a:schemeClr val="lt1"/>
+          </a:fillRef>
+          <a:effectRef idx="0">
+            <a:schemeClr val="dk1"/>
+          </a:effectRef>
+          <a:fontRef idx="minor">
+            <a:schemeClr val="dk1"/>
+          </a:fontRef>
+        </p:style>
+        <p:txBody>
+          <a:bodyPr lIns="0" tIns="0" rIns="0" bIns="0" rtlCol="0" anchor="ctr"/>
+          <a:lstStyle/>
+          <a:p>
+            <a:pPr algn="ctr"/>
+            <a:r>
+              <a:rPr kumimoji="1" lang="en-US" altLang="zh-CN" sz="800" dirty="0">
+                <a:latin typeface="Arial" panose="020B0604020202020204" pitchFamily="34" charset="0"/>
+                <a:cs typeface="Arial" panose="020B0604020202020204" pitchFamily="34" charset="0"/>
+              </a:rPr>
+              <a:t>Calibration of the Muskingum parameter</a:t>
+            </a:r>
+            <a:endParaRPr kumimoji="1" lang="zh-CN" altLang="en-US" sz="800" dirty="0">
+              <a:latin typeface="Arial" panose="020B0604020202020204" pitchFamily="34" charset="0"/>
+              <a:cs typeface="Arial" panose="020B0604020202020204" pitchFamily="34" charset="0"/>
+            </a:endParaRPr>
+          </a:p>
+        </p:txBody>
+      </p:sp>
+      <p:sp>
+        <p:nvSpPr>
+          <p:cNvPr id="19" name="圆角矩形 18">
+            <a:extLst>
+              <a:ext uri="{FF2B5EF4-FFF2-40B4-BE49-F238E27FC236}">
+                <a16:creationId xmlns:a16="http://schemas.microsoft.com/office/drawing/2014/main" id="{12D53CDC-E05D-0822-8458-3935D82E73E3}"/>
+              </a:ext>
+            </a:extLst>
+          </p:cNvPr>
+          <p:cNvSpPr/>
+          <p:nvPr/>
+        </p:nvSpPr>
+        <p:spPr>
+          <a:xfrm>
+            <a:off x="1025580" y="808659"/>
+            <a:ext cx="828564" cy="355998"/>
+          </a:xfrm>
+          <a:prstGeom prst="roundRect">
+            <a:avLst/>
+          </a:prstGeom>
+          <a:ln w="9525"/>
+        </p:spPr>
+        <p:style>
+          <a:lnRef idx="2">
+            <a:schemeClr val="dk1"/>
+          </a:lnRef>
+          <a:fillRef idx="1">
+            <a:schemeClr val="lt1"/>
+          </a:fillRef>
+          <a:effectRef idx="0">
+            <a:schemeClr val="dk1"/>
+          </a:effectRef>
+          <a:fontRef idx="minor">
+            <a:schemeClr val="dk1"/>
+          </a:fontRef>
+        </p:style>
+        <p:txBody>
+          <a:bodyPr lIns="0" tIns="0" rIns="0" bIns="0" rtlCol="0" anchor="ctr"/>
+          <a:lstStyle/>
+          <a:p>
+            <a:pPr algn="ctr"/>
+            <a:r>
+              <a:rPr kumimoji="1" lang="en-US" altLang="zh-CN" sz="800" dirty="0">
+                <a:latin typeface="Arial" panose="020B0604020202020204" pitchFamily="34" charset="0"/>
+                <a:cs typeface="Arial" panose="020B0604020202020204" pitchFamily="34" charset="0"/>
+              </a:rPr>
+              <a:t>Calibration of the Muskingum parameter</a:t>
+            </a:r>
+            <a:endParaRPr kumimoji="1" lang="zh-CN" altLang="en-US" sz="800" dirty="0">
+              <a:latin typeface="Arial" panose="020B0604020202020204" pitchFamily="34" charset="0"/>
+              <a:cs typeface="Arial" panose="020B0604020202020204" pitchFamily="34" charset="0"/>
+            </a:endParaRPr>
+          </a:p>
+        </p:txBody>
+      </p:sp>
+      <p:sp>
+        <p:nvSpPr>
+          <p:cNvPr id="48" name="圆角矩形 47">
+            <a:extLst>
+              <a:ext uri="{FF2B5EF4-FFF2-40B4-BE49-F238E27FC236}">
+                <a16:creationId xmlns:a16="http://schemas.microsoft.com/office/drawing/2014/main" id="{ED5A35CA-1B0E-A76B-F970-B1A00BDC9CB6}"/>
+              </a:ext>
+            </a:extLst>
+          </p:cNvPr>
+          <p:cNvSpPr/>
+          <p:nvPr/>
+        </p:nvSpPr>
+        <p:spPr>
+          <a:xfrm>
+            <a:off x="111232" y="1313736"/>
+            <a:ext cx="2657263" cy="177087"/>
+          </a:xfrm>
+          <a:prstGeom prst="roundRect">
+            <a:avLst/>
+          </a:prstGeom>
+          <a:ln w="9525"/>
+        </p:spPr>
+        <p:style>
+          <a:lnRef idx="2">
+            <a:schemeClr val="dk1"/>
+          </a:lnRef>
+          <a:fillRef idx="1">
+            <a:schemeClr val="lt1"/>
+          </a:fillRef>
+          <a:effectRef idx="0">
+            <a:schemeClr val="dk1"/>
+          </a:effectRef>
+          <a:fontRef idx="minor">
+            <a:schemeClr val="dk1"/>
+          </a:fontRef>
+        </p:style>
+        <p:txBody>
+          <a:bodyPr lIns="0" tIns="0" rIns="0" bIns="0" rtlCol="0" anchor="ctr"/>
+          <a:lstStyle/>
+          <a:p>
+            <a:pPr algn="ctr"/>
+            <a:r>
+              <a:rPr kumimoji="1" lang="en-US" altLang="zh-CN" sz="800" dirty="0">
+                <a:latin typeface="Arial" panose="020B0604020202020204" pitchFamily="34" charset="0"/>
+                <a:cs typeface="Arial" panose="020B0604020202020204" pitchFamily="34" charset="0"/>
+              </a:rPr>
+              <a:t>Fitting the calibrated celerity to a log-normal distribution</a:t>
+            </a:r>
+            <a:endParaRPr kumimoji="1" lang="zh-CN" altLang="en-US" sz="800" dirty="0">
+              <a:latin typeface="Arial" panose="020B0604020202020204" pitchFamily="34" charset="0"/>
+              <a:cs typeface="Arial" panose="020B0604020202020204" pitchFamily="34" charset="0"/>
+            </a:endParaRPr>
+          </a:p>
+        </p:txBody>
+      </p:sp>
+      <p:cxnSp>
+        <p:nvCxnSpPr>
+          <p:cNvPr id="49" name="肘形连接符 48">
+            <a:extLst>
+              <a:ext uri="{FF2B5EF4-FFF2-40B4-BE49-F238E27FC236}">
+                <a16:creationId xmlns:a16="http://schemas.microsoft.com/office/drawing/2014/main" id="{8EB49D7B-B125-1093-3722-1EF05F489296}"/>
+              </a:ext>
+            </a:extLst>
+          </p:cNvPr>
+          <p:cNvCxnSpPr>
+            <a:cxnSpLocks/>
+            <a:stCxn id="18" idx="2"/>
+            <a:endCxn id="48" idx="0"/>
+          </p:cNvCxnSpPr>
+          <p:nvPr/>
+        </p:nvCxnSpPr>
+        <p:spPr>
+          <a:xfrm rot="16200000" flipH="1">
+            <a:off x="860199" y="734071"/>
+            <a:ext cx="146240" cy="1013088"/>
+          </a:xfrm>
+          <a:prstGeom prst="bentConnector3">
+            <a:avLst>
+              <a:gd name="adj1" fmla="val 50000"/>
+            </a:avLst>
+          </a:prstGeom>
+          <a:ln w="9525">
+            <a:tailEnd type="triangle" w="sm" len="sm"/>
+          </a:ln>
+        </p:spPr>
+        <p:style>
+          <a:lnRef idx="1">
+            <a:schemeClr val="dk1"/>
+          </a:lnRef>
+          <a:fillRef idx="0">
+            <a:schemeClr val="dk1"/>
+          </a:fillRef>
+          <a:effectRef idx="0">
+            <a:schemeClr val="dk1"/>
+          </a:effectRef>
+          <a:fontRef idx="minor">
+            <a:schemeClr val="tx1"/>
+          </a:fontRef>
+        </p:style>
+      </p:cxnSp>
+      <p:cxnSp>
+        <p:nvCxnSpPr>
+          <p:cNvPr id="55" name="肘形连接符 54">
+            <a:extLst>
+              <a:ext uri="{FF2B5EF4-FFF2-40B4-BE49-F238E27FC236}">
+                <a16:creationId xmlns:a16="http://schemas.microsoft.com/office/drawing/2014/main" id="{7017B39A-F9CA-35FC-B34E-A861F9DE40FD}"/>
+              </a:ext>
+            </a:extLst>
+          </p:cNvPr>
+          <p:cNvCxnSpPr>
+            <a:cxnSpLocks/>
+            <a:stCxn id="19" idx="2"/>
+            <a:endCxn id="48" idx="0"/>
+          </p:cNvCxnSpPr>
+          <p:nvPr/>
+        </p:nvCxnSpPr>
+        <p:spPr>
+          <a:xfrm rot="16200000" flipH="1">
+            <a:off x="1365323" y="1239196"/>
+            <a:ext cx="149078" cy="1"/>
+          </a:xfrm>
+          <a:prstGeom prst="bentConnector3">
+            <a:avLst>
+              <a:gd name="adj1" fmla="val 50000"/>
+            </a:avLst>
+          </a:prstGeom>
+          <a:ln w="9525">
+            <a:tailEnd type="triangle" w="sm" len="sm"/>
+          </a:ln>
+        </p:spPr>
+        <p:style>
+          <a:lnRef idx="1">
+            <a:schemeClr val="dk1"/>
+          </a:lnRef>
+          <a:fillRef idx="0">
+            <a:schemeClr val="dk1"/>
+          </a:fillRef>
+          <a:effectRef idx="0">
+            <a:schemeClr val="dk1"/>
+          </a:effectRef>
+          <a:fontRef idx="minor">
+            <a:schemeClr val="tx1"/>
+          </a:fontRef>
+        </p:style>
+      </p:cxnSp>
+      <p:cxnSp>
+        <p:nvCxnSpPr>
+          <p:cNvPr id="58" name="肘形连接符 57">
+            <a:extLst>
+              <a:ext uri="{FF2B5EF4-FFF2-40B4-BE49-F238E27FC236}">
+                <a16:creationId xmlns:a16="http://schemas.microsoft.com/office/drawing/2014/main" id="{213596F7-95EB-DA5E-2AF8-605D59B4B336}"/>
+              </a:ext>
+            </a:extLst>
+          </p:cNvPr>
+          <p:cNvCxnSpPr>
+            <a:cxnSpLocks/>
+            <a:stCxn id="15" idx="2"/>
+            <a:endCxn id="48" idx="0"/>
+          </p:cNvCxnSpPr>
+          <p:nvPr/>
+        </p:nvCxnSpPr>
+        <p:spPr>
+          <a:xfrm rot="5400000">
+            <a:off x="1868976" y="743022"/>
+            <a:ext cx="141600" cy="999826"/>
+          </a:xfrm>
+          <a:prstGeom prst="bentConnector3">
+            <a:avLst>
+              <a:gd name="adj1" fmla="val 50000"/>
+            </a:avLst>
+          </a:prstGeom>
+          <a:ln w="9525">
+            <a:tailEnd type="triangle" w="sm" len="sm"/>
+          </a:ln>
+        </p:spPr>
+        <p:style>
+          <a:lnRef idx="1">
+            <a:schemeClr val="dk1"/>
+          </a:lnRef>
+          <a:fillRef idx="0">
+            <a:schemeClr val="dk1"/>
+          </a:fillRef>
+          <a:effectRef idx="0">
+            <a:schemeClr val="dk1"/>
+          </a:effectRef>
+          <a:fontRef idx="minor">
+            <a:schemeClr val="tx1"/>
+          </a:fontRef>
+        </p:style>
+      </p:cxnSp>
+      <p:sp>
+        <p:nvSpPr>
+          <p:cNvPr id="61" name="圆角矩形 60">
+            <a:extLst>
+              <a:ext uri="{FF2B5EF4-FFF2-40B4-BE49-F238E27FC236}">
+                <a16:creationId xmlns:a16="http://schemas.microsoft.com/office/drawing/2014/main" id="{FFBE28EB-F5E5-AB5B-9677-4A91A6C0CA49}"/>
+              </a:ext>
+            </a:extLst>
+          </p:cNvPr>
+          <p:cNvSpPr/>
+          <p:nvPr/>
+        </p:nvSpPr>
+        <p:spPr>
+          <a:xfrm>
+            <a:off x="35458" y="1576548"/>
+            <a:ext cx="2808808" cy="177087"/>
+          </a:xfrm>
+          <a:prstGeom prst="roundRect">
+            <a:avLst/>
+          </a:prstGeom>
+          <a:ln w="9525"/>
+        </p:spPr>
+        <p:style>
+          <a:lnRef idx="2">
+            <a:schemeClr val="dk1"/>
+          </a:lnRef>
+          <a:fillRef idx="1">
+            <a:schemeClr val="lt1"/>
+          </a:fillRef>
+          <a:effectRef idx="0">
+            <a:schemeClr val="dk1"/>
+          </a:effectRef>
+          <a:fontRef idx="minor">
+            <a:schemeClr val="dk1"/>
+          </a:fontRef>
+        </p:style>
+        <p:txBody>
+          <a:bodyPr lIns="0" tIns="0" rIns="0" bIns="0" rtlCol="0" anchor="ctr"/>
+          <a:lstStyle/>
+          <a:p>
+            <a:pPr algn="ctr"/>
+            <a:r>
+              <a:rPr kumimoji="1" lang="en-US" altLang="zh-CN" sz="800" dirty="0">
+                <a:latin typeface="Arial" panose="020B0604020202020204" pitchFamily="34" charset="0"/>
+                <a:cs typeface="Arial" panose="020B0604020202020204" pitchFamily="34" charset="0"/>
+              </a:rPr>
+              <a:t>Draw 100 independent random samples from the distribution</a:t>
+            </a:r>
+            <a:endParaRPr kumimoji="1" lang="zh-CN" altLang="en-US" sz="800" dirty="0">
+              <a:latin typeface="Arial" panose="020B0604020202020204" pitchFamily="34" charset="0"/>
+              <a:cs typeface="Arial" panose="020B0604020202020204" pitchFamily="34" charset="0"/>
+            </a:endParaRPr>
+          </a:p>
+        </p:txBody>
+      </p:sp>
+      <p:cxnSp>
+        <p:nvCxnSpPr>
+          <p:cNvPr id="62" name="直线箭头连接符 61">
+            <a:extLst>
+              <a:ext uri="{FF2B5EF4-FFF2-40B4-BE49-F238E27FC236}">
+                <a16:creationId xmlns:a16="http://schemas.microsoft.com/office/drawing/2014/main" id="{BC355483-4FC5-86AE-B1F6-80379A1EC857}"/>
+              </a:ext>
+            </a:extLst>
+          </p:cNvPr>
+          <p:cNvCxnSpPr>
+            <a:cxnSpLocks/>
+            <a:stCxn id="48" idx="2"/>
+            <a:endCxn id="61" idx="0"/>
+          </p:cNvCxnSpPr>
+          <p:nvPr/>
+        </p:nvCxnSpPr>
+        <p:spPr>
+          <a:xfrm flipH="1">
+            <a:off x="1439863" y="1490823"/>
+            <a:ext cx="1" cy="85725"/>
+          </a:xfrm>
+          <a:prstGeom prst="straightConnector1">
+            <a:avLst/>
+          </a:prstGeom>
+          <a:ln w="9525">
+            <a:tailEnd type="triangle" w="sm" len="sm"/>
+          </a:ln>
+        </p:spPr>
+        <p:style>
+          <a:lnRef idx="1">
+            <a:schemeClr val="dk1"/>
+          </a:lnRef>
+          <a:fillRef idx="0">
+            <a:schemeClr val="dk1"/>
+          </a:fillRef>
+          <a:effectRef idx="0">
+            <a:schemeClr val="dk1"/>
+          </a:effectRef>
+          <a:fontRef idx="minor">
+            <a:schemeClr val="tx1"/>
+          </a:fontRef>
+        </p:style>
+      </p:cxnSp>
+      <p:sp>
+        <p:nvSpPr>
+          <p:cNvPr id="66" name="圆角矩形 65">
+            <a:extLst>
+              <a:ext uri="{FF2B5EF4-FFF2-40B4-BE49-F238E27FC236}">
+                <a16:creationId xmlns:a16="http://schemas.microsoft.com/office/drawing/2014/main" id="{7CDCF52D-7E32-6AD0-3B12-35A4940911AB}"/>
+              </a:ext>
+            </a:extLst>
+          </p:cNvPr>
+          <p:cNvSpPr/>
+          <p:nvPr/>
+        </p:nvSpPr>
+        <p:spPr>
+          <a:xfrm>
+            <a:off x="45163" y="1885466"/>
+            <a:ext cx="828564" cy="247442"/>
+          </a:xfrm>
+          <a:prstGeom prst="roundRect">
+            <a:avLst/>
+          </a:prstGeom>
+          <a:ln w="9525"/>
+        </p:spPr>
+        <p:style>
+          <a:lnRef idx="2">
+            <a:schemeClr val="dk1"/>
+          </a:lnRef>
+          <a:fillRef idx="1">
+            <a:schemeClr val="lt1"/>
+          </a:fillRef>
+          <a:effectRef idx="0">
+            <a:schemeClr val="dk1"/>
+          </a:effectRef>
+          <a:fontRef idx="minor">
+            <a:schemeClr val="dk1"/>
+          </a:fontRef>
+        </p:style>
+        <p:txBody>
+          <a:bodyPr lIns="0" tIns="0" rIns="0" bIns="0" rtlCol="0" anchor="ctr"/>
+          <a:lstStyle/>
+          <a:p>
+            <a:pPr algn="ctr"/>
+            <a:r>
+              <a:rPr kumimoji="1" lang="en-US" altLang="zh-CN" sz="800" dirty="0">
+                <a:latin typeface="Arial" panose="020B0604020202020204" pitchFamily="34" charset="0"/>
+                <a:cs typeface="Arial" panose="020B0604020202020204" pitchFamily="34" charset="0"/>
+              </a:rPr>
+              <a:t>100 Muskingum Simulations</a:t>
+            </a:r>
+            <a:endParaRPr kumimoji="1" lang="zh-CN" altLang="en-US" sz="800" dirty="0">
+              <a:latin typeface="Arial" panose="020B0604020202020204" pitchFamily="34" charset="0"/>
+              <a:cs typeface="Arial" panose="020B0604020202020204" pitchFamily="34" charset="0"/>
+            </a:endParaRPr>
+          </a:p>
+        </p:txBody>
+      </p:sp>
+      <p:sp>
+        <p:nvSpPr>
+          <p:cNvPr id="67" name="圆角矩形 66">
+            <a:extLst>
+              <a:ext uri="{FF2B5EF4-FFF2-40B4-BE49-F238E27FC236}">
+                <a16:creationId xmlns:a16="http://schemas.microsoft.com/office/drawing/2014/main" id="{60A2ACDE-3BBF-B2AD-0708-8D5237DC6F9A}"/>
+              </a:ext>
+            </a:extLst>
+          </p:cNvPr>
+          <p:cNvSpPr/>
+          <p:nvPr/>
+        </p:nvSpPr>
+        <p:spPr>
+          <a:xfrm>
+            <a:off x="1022473" y="1885466"/>
+            <a:ext cx="828564" cy="247442"/>
+          </a:xfrm>
+          <a:prstGeom prst="roundRect">
+            <a:avLst/>
+          </a:prstGeom>
+          <a:ln w="9525"/>
+        </p:spPr>
+        <p:style>
+          <a:lnRef idx="2">
+            <a:schemeClr val="dk1"/>
+          </a:lnRef>
+          <a:fillRef idx="1">
+            <a:schemeClr val="lt1"/>
+          </a:fillRef>
+          <a:effectRef idx="0">
+            <a:schemeClr val="dk1"/>
+          </a:effectRef>
+          <a:fontRef idx="minor">
+            <a:schemeClr val="dk1"/>
+          </a:fontRef>
+        </p:style>
+        <p:txBody>
+          <a:bodyPr lIns="0" tIns="0" rIns="0" bIns="0" rtlCol="0" anchor="ctr"/>
+          <a:lstStyle/>
+          <a:p>
+            <a:pPr algn="ctr"/>
+            <a:r>
+              <a:rPr kumimoji="1" lang="en-US" altLang="zh-CN" sz="800" dirty="0">
+                <a:latin typeface="Arial" panose="020B0604020202020204" pitchFamily="34" charset="0"/>
+                <a:cs typeface="Arial" panose="020B0604020202020204" pitchFamily="34" charset="0"/>
+              </a:rPr>
+              <a:t>100 Muskingum Simulations</a:t>
+            </a:r>
+            <a:endParaRPr kumimoji="1" lang="zh-CN" altLang="en-US" sz="800" dirty="0">
+              <a:latin typeface="Arial" panose="020B0604020202020204" pitchFamily="34" charset="0"/>
+              <a:cs typeface="Arial" panose="020B0604020202020204" pitchFamily="34" charset="0"/>
+            </a:endParaRPr>
+          </a:p>
+        </p:txBody>
+      </p:sp>
+      <p:sp>
+        <p:nvSpPr>
+          <p:cNvPr id="72" name="圆角矩形 71">
+            <a:extLst>
+              <a:ext uri="{FF2B5EF4-FFF2-40B4-BE49-F238E27FC236}">
+                <a16:creationId xmlns:a16="http://schemas.microsoft.com/office/drawing/2014/main" id="{8A06575C-3434-B038-4637-03A3B11A4F7B}"/>
+              </a:ext>
+            </a:extLst>
+          </p:cNvPr>
+          <p:cNvSpPr/>
+          <p:nvPr/>
+        </p:nvSpPr>
+        <p:spPr>
+          <a:xfrm>
+            <a:off x="2028173" y="1885466"/>
+            <a:ext cx="828564" cy="247442"/>
+          </a:xfrm>
+          <a:prstGeom prst="roundRect">
+            <a:avLst/>
+          </a:prstGeom>
+          <a:ln w="9525"/>
+        </p:spPr>
+        <p:style>
+          <a:lnRef idx="2">
+            <a:schemeClr val="dk1"/>
+          </a:lnRef>
+          <a:fillRef idx="1">
+            <a:schemeClr val="lt1"/>
+          </a:fillRef>
+          <a:effectRef idx="0">
+            <a:schemeClr val="dk1"/>
+          </a:effectRef>
+          <a:fontRef idx="minor">
+            <a:schemeClr val="dk1"/>
+          </a:fontRef>
+        </p:style>
+        <p:txBody>
+          <a:bodyPr lIns="0" tIns="0" rIns="0" bIns="0" rtlCol="0" anchor="ctr"/>
+          <a:lstStyle/>
+          <a:p>
+            <a:pPr algn="ctr"/>
+            <a:r>
+              <a:rPr kumimoji="1" lang="en-US" altLang="zh-CN" sz="800" dirty="0">
+                <a:latin typeface="Arial" panose="020B0604020202020204" pitchFamily="34" charset="0"/>
+                <a:cs typeface="Arial" panose="020B0604020202020204" pitchFamily="34" charset="0"/>
+              </a:rPr>
+              <a:t>100 Muskingum Simulations</a:t>
+            </a:r>
+            <a:endParaRPr kumimoji="1" lang="zh-CN" altLang="en-US" sz="800" dirty="0">
+              <a:latin typeface="Arial" panose="020B0604020202020204" pitchFamily="34" charset="0"/>
+              <a:cs typeface="Arial" panose="020B0604020202020204" pitchFamily="34" charset="0"/>
+            </a:endParaRPr>
+          </a:p>
+        </p:txBody>
+      </p:sp>
+      <p:cxnSp>
+        <p:nvCxnSpPr>
+          <p:cNvPr id="73" name="肘形连接符 72">
+            <a:extLst>
+              <a:ext uri="{FF2B5EF4-FFF2-40B4-BE49-F238E27FC236}">
+                <a16:creationId xmlns:a16="http://schemas.microsoft.com/office/drawing/2014/main" id="{3A605F51-C57B-AB64-5172-64B2E22ACA87}"/>
+              </a:ext>
+            </a:extLst>
+          </p:cNvPr>
+          <p:cNvCxnSpPr>
+            <a:cxnSpLocks/>
+            <a:stCxn id="61" idx="2"/>
+            <a:endCxn id="66" idx="0"/>
+          </p:cNvCxnSpPr>
+          <p:nvPr/>
+        </p:nvCxnSpPr>
+        <p:spPr>
+          <a:xfrm rot="5400000">
+            <a:off x="883738" y="1329343"/>
+            <a:ext cx="131832" cy="980417"/>
+          </a:xfrm>
+          <a:prstGeom prst="bentConnector3">
+            <a:avLst>
+              <a:gd name="adj1" fmla="val 50000"/>
+            </a:avLst>
+          </a:prstGeom>
+          <a:ln w="9525">
+            <a:tailEnd type="triangle" w="sm" len="sm"/>
+          </a:ln>
+        </p:spPr>
+        <p:style>
+          <a:lnRef idx="1">
+            <a:schemeClr val="dk1"/>
+          </a:lnRef>
+          <a:fillRef idx="0">
+            <a:schemeClr val="dk1"/>
+          </a:fillRef>
+          <a:effectRef idx="0">
+            <a:schemeClr val="dk1"/>
+          </a:effectRef>
+          <a:fontRef idx="minor">
+            <a:schemeClr val="tx1"/>
+          </a:fontRef>
+        </p:style>
+      </p:cxnSp>
+      <p:cxnSp>
+        <p:nvCxnSpPr>
+          <p:cNvPr id="78" name="肘形连接符 77">
+            <a:extLst>
+              <a:ext uri="{FF2B5EF4-FFF2-40B4-BE49-F238E27FC236}">
+                <a16:creationId xmlns:a16="http://schemas.microsoft.com/office/drawing/2014/main" id="{8D84A32E-0DB1-7CF3-698C-59C2B6108292}"/>
+              </a:ext>
+            </a:extLst>
+          </p:cNvPr>
+          <p:cNvCxnSpPr>
+            <a:cxnSpLocks/>
+            <a:stCxn id="61" idx="2"/>
+            <a:endCxn id="67" idx="0"/>
+          </p:cNvCxnSpPr>
+          <p:nvPr/>
+        </p:nvCxnSpPr>
+        <p:spPr>
+          <a:xfrm rot="5400000">
+            <a:off x="1372393" y="1817998"/>
+            <a:ext cx="131832" cy="3107"/>
+          </a:xfrm>
+          <a:prstGeom prst="bentConnector3">
+            <a:avLst>
+              <a:gd name="adj1" fmla="val 50000"/>
+            </a:avLst>
+          </a:prstGeom>
+          <a:ln w="9525">
+            <a:tailEnd type="triangle" w="sm" len="sm"/>
+          </a:ln>
+        </p:spPr>
+        <p:style>
+          <a:lnRef idx="1">
+            <a:schemeClr val="dk1"/>
+          </a:lnRef>
+          <a:fillRef idx="0">
+            <a:schemeClr val="dk1"/>
+          </a:fillRef>
+          <a:effectRef idx="0">
+            <a:schemeClr val="dk1"/>
+          </a:effectRef>
+          <a:fontRef idx="minor">
+            <a:schemeClr val="tx1"/>
+          </a:fontRef>
+        </p:style>
+      </p:cxnSp>
+      <p:cxnSp>
+        <p:nvCxnSpPr>
+          <p:cNvPr id="82" name="肘形连接符 81">
+            <a:extLst>
+              <a:ext uri="{FF2B5EF4-FFF2-40B4-BE49-F238E27FC236}">
+                <a16:creationId xmlns:a16="http://schemas.microsoft.com/office/drawing/2014/main" id="{DE328602-E259-4476-7050-C46C4A7F4F5C}"/>
+              </a:ext>
+            </a:extLst>
+          </p:cNvPr>
+          <p:cNvCxnSpPr>
+            <a:cxnSpLocks/>
+            <a:stCxn id="61" idx="2"/>
+            <a:endCxn id="72" idx="0"/>
+          </p:cNvCxnSpPr>
+          <p:nvPr/>
+        </p:nvCxnSpPr>
+        <p:spPr>
+          <a:xfrm rot="16200000" flipH="1">
+            <a:off x="1875242" y="1318254"/>
+            <a:ext cx="131832" cy="1002593"/>
+          </a:xfrm>
+          <a:prstGeom prst="bentConnector3">
+            <a:avLst>
+              <a:gd name="adj1" fmla="val 50000"/>
+            </a:avLst>
+          </a:prstGeom>
+          <a:ln w="9525">
+            <a:tailEnd type="triangle" w="sm" len="sm"/>
+          </a:ln>
+        </p:spPr>
+        <p:style>
+          <a:lnRef idx="1">
+            <a:schemeClr val="dk1"/>
+          </a:lnRef>
+          <a:fillRef idx="0">
+            <a:schemeClr val="dk1"/>
+          </a:fillRef>
+          <a:effectRef idx="0">
+            <a:schemeClr val="dk1"/>
+          </a:effectRef>
+          <a:fontRef idx="minor">
+            <a:schemeClr val="tx1"/>
+          </a:fontRef>
+        </p:style>
+      </p:cxnSp>
+      <p:sp>
+        <p:nvSpPr>
+          <p:cNvPr id="95" name="圆角矩形 94">
+            <a:extLst>
+              <a:ext uri="{FF2B5EF4-FFF2-40B4-BE49-F238E27FC236}">
+                <a16:creationId xmlns:a16="http://schemas.microsoft.com/office/drawing/2014/main" id="{F80E7F59-8A14-191E-3CA3-B7F450945C15}"/>
+              </a:ext>
+            </a:extLst>
+          </p:cNvPr>
+          <p:cNvSpPr/>
+          <p:nvPr/>
+        </p:nvSpPr>
+        <p:spPr>
+          <a:xfrm>
+            <a:off x="45163" y="2242221"/>
+            <a:ext cx="828564" cy="247442"/>
+          </a:xfrm>
+          <a:prstGeom prst="roundRect">
+            <a:avLst/>
+          </a:prstGeom>
+          <a:ln w="9525"/>
+        </p:spPr>
+        <p:style>
+          <a:lnRef idx="2">
+            <a:schemeClr val="dk1"/>
+          </a:lnRef>
+          <a:fillRef idx="1">
+            <a:schemeClr val="lt1"/>
+          </a:fillRef>
+          <a:effectRef idx="0">
+            <a:schemeClr val="dk1"/>
+          </a:effectRef>
+          <a:fontRef idx="minor">
+            <a:schemeClr val="dk1"/>
+          </a:fontRef>
+        </p:style>
+        <p:txBody>
+          <a:bodyPr lIns="0" tIns="0" rIns="0" bIns="0" rtlCol="0" anchor="ctr"/>
+          <a:lstStyle/>
+          <a:p>
+            <a:pPr algn="ctr"/>
+            <a:r>
+              <a:rPr kumimoji="1" lang="en-US" altLang="zh-CN" sz="800" dirty="0">
+                <a:latin typeface="Arial" panose="020B0604020202020204" pitchFamily="34" charset="0"/>
+                <a:cs typeface="Arial" panose="020B0604020202020204" pitchFamily="34" charset="0"/>
+              </a:rPr>
+              <a:t>100 Streamflow Estimates</a:t>
+            </a:r>
+            <a:endParaRPr kumimoji="1" lang="zh-CN" altLang="en-US" sz="800" dirty="0">
+              <a:latin typeface="Arial" panose="020B0604020202020204" pitchFamily="34" charset="0"/>
+              <a:cs typeface="Arial" panose="020B0604020202020204" pitchFamily="34" charset="0"/>
+            </a:endParaRPr>
+          </a:p>
+        </p:txBody>
+      </p:sp>
+      <p:sp>
+        <p:nvSpPr>
+          <p:cNvPr id="97" name="圆角矩形 96">
+            <a:extLst>
+              <a:ext uri="{FF2B5EF4-FFF2-40B4-BE49-F238E27FC236}">
+                <a16:creationId xmlns:a16="http://schemas.microsoft.com/office/drawing/2014/main" id="{20516EB1-F110-4724-9B11-7CB28E29D22B}"/>
+              </a:ext>
+            </a:extLst>
+          </p:cNvPr>
+          <p:cNvSpPr/>
+          <p:nvPr/>
+        </p:nvSpPr>
+        <p:spPr>
+          <a:xfrm>
+            <a:off x="1022473" y="2251986"/>
+            <a:ext cx="828564" cy="247442"/>
+          </a:xfrm>
+          <a:prstGeom prst="roundRect">
+            <a:avLst/>
+          </a:prstGeom>
+          <a:ln w="9525"/>
+        </p:spPr>
+        <p:style>
+          <a:lnRef idx="2">
+            <a:schemeClr val="dk1"/>
+          </a:lnRef>
+          <a:fillRef idx="1">
+            <a:schemeClr val="lt1"/>
+          </a:fillRef>
+          <a:effectRef idx="0">
+            <a:schemeClr val="dk1"/>
+          </a:effectRef>
+          <a:fontRef idx="minor">
+            <a:schemeClr val="dk1"/>
+          </a:fontRef>
+        </p:style>
+        <p:txBody>
+          <a:bodyPr lIns="0" tIns="0" rIns="0" bIns="0" rtlCol="0" anchor="ctr"/>
+          <a:lstStyle/>
+          <a:p>
+            <a:pPr algn="ctr"/>
+            <a:r>
+              <a:rPr kumimoji="1" lang="en-US" altLang="zh-CN" sz="800" dirty="0">
+                <a:latin typeface="Arial" panose="020B0604020202020204" pitchFamily="34" charset="0"/>
+                <a:cs typeface="Arial" panose="020B0604020202020204" pitchFamily="34" charset="0"/>
+              </a:rPr>
+              <a:t>100 Streamflow Estimates</a:t>
+            </a:r>
+            <a:endParaRPr kumimoji="1" lang="zh-CN" altLang="en-US" sz="800" dirty="0">
+              <a:latin typeface="Arial" panose="020B0604020202020204" pitchFamily="34" charset="0"/>
+              <a:cs typeface="Arial" panose="020B0604020202020204" pitchFamily="34" charset="0"/>
+            </a:endParaRPr>
+          </a:p>
+        </p:txBody>
+      </p:sp>
+      <p:sp>
+        <p:nvSpPr>
+          <p:cNvPr id="99" name="圆角矩形 98">
+            <a:extLst>
+              <a:ext uri="{FF2B5EF4-FFF2-40B4-BE49-F238E27FC236}">
+                <a16:creationId xmlns:a16="http://schemas.microsoft.com/office/drawing/2014/main" id="{4AA92B83-26D8-7689-AC00-F3BC31ED3344}"/>
+              </a:ext>
+            </a:extLst>
+          </p:cNvPr>
+          <p:cNvSpPr/>
+          <p:nvPr/>
+        </p:nvSpPr>
+        <p:spPr>
+          <a:xfrm>
+            <a:off x="2025407" y="2242221"/>
+            <a:ext cx="828564" cy="247442"/>
+          </a:xfrm>
+          <a:prstGeom prst="roundRect">
+            <a:avLst/>
+          </a:prstGeom>
+          <a:ln w="9525"/>
+        </p:spPr>
+        <p:style>
+          <a:lnRef idx="2">
+            <a:schemeClr val="dk1"/>
+          </a:lnRef>
+          <a:fillRef idx="1">
+            <a:schemeClr val="lt1"/>
+          </a:fillRef>
+          <a:effectRef idx="0">
+            <a:schemeClr val="dk1"/>
+          </a:effectRef>
+          <a:fontRef idx="minor">
+            <a:schemeClr val="dk1"/>
+          </a:fontRef>
+        </p:style>
+        <p:txBody>
+          <a:bodyPr lIns="0" tIns="0" rIns="0" bIns="0" rtlCol="0" anchor="ctr"/>
+          <a:lstStyle/>
+          <a:p>
+            <a:pPr algn="ctr"/>
+            <a:r>
+              <a:rPr kumimoji="1" lang="en-US" altLang="zh-CN" sz="800" dirty="0">
+                <a:latin typeface="Arial" panose="020B0604020202020204" pitchFamily="34" charset="0"/>
+                <a:cs typeface="Arial" panose="020B0604020202020204" pitchFamily="34" charset="0"/>
+              </a:rPr>
+              <a:t>100 Streamflow Estimates</a:t>
+            </a:r>
+            <a:endParaRPr kumimoji="1" lang="zh-CN" altLang="en-US" sz="800" dirty="0">
+              <a:latin typeface="Arial" panose="020B0604020202020204" pitchFamily="34" charset="0"/>
+              <a:cs typeface="Arial" panose="020B0604020202020204" pitchFamily="34" charset="0"/>
+            </a:endParaRPr>
+          </a:p>
+        </p:txBody>
+      </p:sp>
+      <p:cxnSp>
+        <p:nvCxnSpPr>
+          <p:cNvPr id="100" name="直线箭头连接符 99">
+            <a:extLst>
+              <a:ext uri="{FF2B5EF4-FFF2-40B4-BE49-F238E27FC236}">
+                <a16:creationId xmlns:a16="http://schemas.microsoft.com/office/drawing/2014/main" id="{D10727E5-A157-9FA2-F60B-07187E537D39}"/>
+              </a:ext>
+            </a:extLst>
+          </p:cNvPr>
+          <p:cNvCxnSpPr>
+            <a:cxnSpLocks/>
+            <a:stCxn id="66" idx="2"/>
+            <a:endCxn id="95" idx="0"/>
+          </p:cNvCxnSpPr>
+          <p:nvPr/>
+        </p:nvCxnSpPr>
+        <p:spPr>
+          <a:xfrm>
+            <a:off x="459445" y="2132910"/>
+            <a:ext cx="0" cy="109313"/>
+          </a:xfrm>
+          <a:prstGeom prst="straightConnector1">
+            <a:avLst/>
+          </a:prstGeom>
+          <a:ln w="9525">
+            <a:tailEnd type="triangle" w="sm" len="sm"/>
+          </a:ln>
+        </p:spPr>
+        <p:style>
+          <a:lnRef idx="1">
+            <a:schemeClr val="dk1"/>
+          </a:lnRef>
+          <a:fillRef idx="0">
+            <a:schemeClr val="dk1"/>
+          </a:fillRef>
+          <a:effectRef idx="0">
+            <a:schemeClr val="dk1"/>
+          </a:effectRef>
+          <a:fontRef idx="minor">
+            <a:schemeClr val="tx1"/>
+          </a:fontRef>
+        </p:style>
+      </p:cxnSp>
+      <p:cxnSp>
+        <p:nvCxnSpPr>
+          <p:cNvPr id="104" name="直线箭头连接符 103">
+            <a:extLst>
+              <a:ext uri="{FF2B5EF4-FFF2-40B4-BE49-F238E27FC236}">
+                <a16:creationId xmlns:a16="http://schemas.microsoft.com/office/drawing/2014/main" id="{9A2DA6EE-D981-E19A-3878-3FEF1B63265A}"/>
+              </a:ext>
+            </a:extLst>
+          </p:cNvPr>
+          <p:cNvCxnSpPr>
+            <a:cxnSpLocks/>
+            <a:stCxn id="67" idx="2"/>
+            <a:endCxn id="97" idx="0"/>
+          </p:cNvCxnSpPr>
+          <p:nvPr/>
+        </p:nvCxnSpPr>
+        <p:spPr>
+          <a:xfrm>
+            <a:off x="1436755" y="2132908"/>
+            <a:ext cx="0" cy="119078"/>
+          </a:xfrm>
+          <a:prstGeom prst="straightConnector1">
+            <a:avLst/>
+          </a:prstGeom>
+          <a:ln w="9525">
+            <a:tailEnd type="triangle" w="sm" len="sm"/>
+          </a:ln>
+        </p:spPr>
+        <p:style>
+          <a:lnRef idx="1">
+            <a:schemeClr val="dk1"/>
+          </a:lnRef>
+          <a:fillRef idx="0">
+            <a:schemeClr val="dk1"/>
+          </a:fillRef>
+          <a:effectRef idx="0">
+            <a:schemeClr val="dk1"/>
+          </a:effectRef>
+          <a:fontRef idx="minor">
+            <a:schemeClr val="tx1"/>
+          </a:fontRef>
+        </p:style>
+      </p:cxnSp>
+      <p:cxnSp>
+        <p:nvCxnSpPr>
+          <p:cNvPr id="108" name="直线箭头连接符 107">
+            <a:extLst>
+              <a:ext uri="{FF2B5EF4-FFF2-40B4-BE49-F238E27FC236}">
+                <a16:creationId xmlns:a16="http://schemas.microsoft.com/office/drawing/2014/main" id="{D2AFDD7D-6FA8-2DA3-E4A8-25639B0362FD}"/>
+              </a:ext>
+            </a:extLst>
+          </p:cNvPr>
+          <p:cNvCxnSpPr>
+            <a:cxnSpLocks/>
+            <a:stCxn id="72" idx="2"/>
+            <a:endCxn id="99" idx="0"/>
+          </p:cNvCxnSpPr>
+          <p:nvPr/>
+        </p:nvCxnSpPr>
+        <p:spPr>
+          <a:xfrm flipH="1">
+            <a:off x="2439689" y="2132910"/>
+            <a:ext cx="2766" cy="109313"/>
+          </a:xfrm>
+          <a:prstGeom prst="straightConnector1">
+            <a:avLst/>
+          </a:prstGeom>
+          <a:ln w="9525">
+            <a:tailEnd type="triangle" w="sm" len="sm"/>
+          </a:ln>
+        </p:spPr>
+        <p:style>
+          <a:lnRef idx="1">
+            <a:schemeClr val="dk1"/>
+          </a:lnRef>
+          <a:fillRef idx="0">
+            <a:schemeClr val="dk1"/>
+          </a:fillRef>
+          <a:effectRef idx="0">
+            <a:schemeClr val="dk1"/>
+          </a:effectRef>
+          <a:fontRef idx="minor">
+            <a:schemeClr val="tx1"/>
+          </a:fontRef>
+        </p:style>
+      </p:cxnSp>
+      <p:sp>
+        <p:nvSpPr>
+          <p:cNvPr id="111" name="圆角矩形 110">
+            <a:extLst>
+              <a:ext uri="{FF2B5EF4-FFF2-40B4-BE49-F238E27FC236}">
+                <a16:creationId xmlns:a16="http://schemas.microsoft.com/office/drawing/2014/main" id="{BA0DE154-29A9-80F4-3F16-05B75A4A530B}"/>
+              </a:ext>
+            </a:extLst>
+          </p:cNvPr>
+          <p:cNvSpPr/>
+          <p:nvPr/>
+        </p:nvSpPr>
+        <p:spPr>
+          <a:xfrm>
+            <a:off x="45163" y="2598692"/>
+            <a:ext cx="828564" cy="166643"/>
+          </a:xfrm>
+          <a:prstGeom prst="roundRect">
+            <a:avLst/>
+          </a:prstGeom>
+          <a:ln w="9525"/>
+        </p:spPr>
+        <p:style>
+          <a:lnRef idx="2">
+            <a:schemeClr val="dk1"/>
+          </a:lnRef>
+          <a:fillRef idx="1">
+            <a:schemeClr val="lt1"/>
+          </a:fillRef>
+          <a:effectRef idx="0">
+            <a:schemeClr val="dk1"/>
+          </a:effectRef>
+          <a:fontRef idx="minor">
+            <a:schemeClr val="dk1"/>
+          </a:fontRef>
+        </p:style>
+        <p:txBody>
+          <a:bodyPr lIns="0" tIns="0" rIns="0" bIns="0" rtlCol="0" anchor="ctr"/>
+          <a:lstStyle/>
+          <a:p>
+            <a:pPr algn="ctr"/>
+            <a:r>
+              <a:rPr kumimoji="1" lang="en-US" altLang="zh-CN" sz="800" dirty="0">
+                <a:latin typeface="Arial" panose="020B0604020202020204" pitchFamily="34" charset="0"/>
+                <a:cs typeface="Arial" panose="020B0604020202020204" pitchFamily="34" charset="0"/>
+              </a:rPr>
+              <a:t>100 Skill Scores</a:t>
+            </a:r>
+            <a:endParaRPr kumimoji="1" lang="zh-CN" altLang="en-US" sz="800" dirty="0">
+              <a:latin typeface="Arial" panose="020B0604020202020204" pitchFamily="34" charset="0"/>
+              <a:cs typeface="Arial" panose="020B0604020202020204" pitchFamily="34" charset="0"/>
+            </a:endParaRPr>
+          </a:p>
+        </p:txBody>
+      </p:sp>
+      <p:sp>
+        <p:nvSpPr>
+          <p:cNvPr id="112" name="圆角矩形 111">
+            <a:extLst>
+              <a:ext uri="{FF2B5EF4-FFF2-40B4-BE49-F238E27FC236}">
+                <a16:creationId xmlns:a16="http://schemas.microsoft.com/office/drawing/2014/main" id="{CC4ABA64-9351-A034-116F-712DF372DA17}"/>
+              </a:ext>
+            </a:extLst>
+          </p:cNvPr>
+          <p:cNvSpPr/>
+          <p:nvPr/>
+        </p:nvSpPr>
+        <p:spPr>
+          <a:xfrm>
+            <a:off x="1022473" y="2598692"/>
+            <a:ext cx="828564" cy="166643"/>
+          </a:xfrm>
+          <a:prstGeom prst="roundRect">
+            <a:avLst/>
+          </a:prstGeom>
+          <a:ln w="9525"/>
+        </p:spPr>
+        <p:style>
+          <a:lnRef idx="2">
+            <a:schemeClr val="dk1"/>
+          </a:lnRef>
+          <a:fillRef idx="1">
+            <a:schemeClr val="lt1"/>
+          </a:fillRef>
+          <a:effectRef idx="0">
+            <a:schemeClr val="dk1"/>
+          </a:effectRef>
+          <a:fontRef idx="minor">
+            <a:schemeClr val="dk1"/>
+          </a:fontRef>
+        </p:style>
+        <p:txBody>
+          <a:bodyPr lIns="0" tIns="0" rIns="0" bIns="0" rtlCol="0" anchor="ctr"/>
+          <a:lstStyle/>
+          <a:p>
+            <a:pPr algn="ctr"/>
+            <a:r>
+              <a:rPr kumimoji="1" lang="en-US" altLang="zh-CN" sz="800" dirty="0">
+                <a:latin typeface="Arial" panose="020B0604020202020204" pitchFamily="34" charset="0"/>
+                <a:cs typeface="Arial" panose="020B0604020202020204" pitchFamily="34" charset="0"/>
+              </a:rPr>
+              <a:t>100 Skill Scores</a:t>
+            </a:r>
+            <a:endParaRPr kumimoji="1" lang="zh-CN" altLang="en-US" sz="800" dirty="0">
+              <a:latin typeface="Arial" panose="020B0604020202020204" pitchFamily="34" charset="0"/>
+              <a:cs typeface="Arial" panose="020B0604020202020204" pitchFamily="34" charset="0"/>
+            </a:endParaRPr>
+          </a:p>
+        </p:txBody>
+      </p:sp>
+      <p:sp>
+        <p:nvSpPr>
+          <p:cNvPr id="116" name="圆角矩形 115">
+            <a:extLst>
+              <a:ext uri="{FF2B5EF4-FFF2-40B4-BE49-F238E27FC236}">
+                <a16:creationId xmlns:a16="http://schemas.microsoft.com/office/drawing/2014/main" id="{19AE437B-5405-1F16-A223-42E5DA9C9F5B}"/>
+              </a:ext>
+            </a:extLst>
+          </p:cNvPr>
+          <p:cNvSpPr/>
+          <p:nvPr/>
+        </p:nvSpPr>
+        <p:spPr>
+          <a:xfrm>
+            <a:off x="2025407" y="2598692"/>
+            <a:ext cx="828564" cy="166643"/>
+          </a:xfrm>
+          <a:prstGeom prst="roundRect">
+            <a:avLst/>
+          </a:prstGeom>
+          <a:ln w="9525"/>
+        </p:spPr>
+        <p:style>
+          <a:lnRef idx="2">
+            <a:schemeClr val="dk1"/>
+          </a:lnRef>
+          <a:fillRef idx="1">
+            <a:schemeClr val="lt1"/>
+          </a:fillRef>
+          <a:effectRef idx="0">
+            <a:schemeClr val="dk1"/>
+          </a:effectRef>
+          <a:fontRef idx="minor">
+            <a:schemeClr val="dk1"/>
+          </a:fontRef>
+        </p:style>
+        <p:txBody>
+          <a:bodyPr lIns="0" tIns="0" rIns="0" bIns="0" rtlCol="0" anchor="ctr"/>
+          <a:lstStyle/>
+          <a:p>
+            <a:pPr algn="ctr"/>
+            <a:r>
+              <a:rPr kumimoji="1" lang="en-US" altLang="zh-CN" sz="800" dirty="0">
+                <a:latin typeface="Arial" panose="020B0604020202020204" pitchFamily="34" charset="0"/>
+                <a:cs typeface="Arial" panose="020B0604020202020204" pitchFamily="34" charset="0"/>
+              </a:rPr>
+              <a:t>100 Skill Scores</a:t>
+            </a:r>
+            <a:endParaRPr kumimoji="1" lang="zh-CN" altLang="en-US" sz="800" dirty="0">
+              <a:latin typeface="Arial" panose="020B0604020202020204" pitchFamily="34" charset="0"/>
+              <a:cs typeface="Arial" panose="020B0604020202020204" pitchFamily="34" charset="0"/>
+            </a:endParaRPr>
+          </a:p>
+        </p:txBody>
+      </p:sp>
+      <p:cxnSp>
+        <p:nvCxnSpPr>
+          <p:cNvPr id="117" name="直线箭头连接符 116">
+            <a:extLst>
+              <a:ext uri="{FF2B5EF4-FFF2-40B4-BE49-F238E27FC236}">
+                <a16:creationId xmlns:a16="http://schemas.microsoft.com/office/drawing/2014/main" id="{0F83300B-3F9E-56F3-D85C-41D6585709C2}"/>
+              </a:ext>
+            </a:extLst>
+          </p:cNvPr>
+          <p:cNvCxnSpPr>
+            <a:cxnSpLocks/>
+            <a:stCxn id="95" idx="2"/>
+            <a:endCxn id="111" idx="0"/>
+          </p:cNvCxnSpPr>
+          <p:nvPr/>
+        </p:nvCxnSpPr>
+        <p:spPr>
+          <a:xfrm>
+            <a:off x="459445" y="2489663"/>
+            <a:ext cx="0" cy="109028"/>
+          </a:xfrm>
+          <a:prstGeom prst="straightConnector1">
+            <a:avLst/>
+          </a:prstGeom>
+          <a:ln w="9525">
+            <a:tailEnd type="triangle" w="sm" len="sm"/>
+          </a:ln>
+        </p:spPr>
+        <p:style>
+          <a:lnRef idx="1">
+            <a:schemeClr val="dk1"/>
+          </a:lnRef>
+          <a:fillRef idx="0">
+            <a:schemeClr val="dk1"/>
+          </a:fillRef>
+          <a:effectRef idx="0">
+            <a:schemeClr val="dk1"/>
+          </a:effectRef>
+          <a:fontRef idx="minor">
+            <a:schemeClr val="tx1"/>
+          </a:fontRef>
+        </p:style>
+      </p:cxnSp>
+      <p:cxnSp>
+        <p:nvCxnSpPr>
+          <p:cNvPr id="121" name="直线箭头连接符 120">
+            <a:extLst>
+              <a:ext uri="{FF2B5EF4-FFF2-40B4-BE49-F238E27FC236}">
+                <a16:creationId xmlns:a16="http://schemas.microsoft.com/office/drawing/2014/main" id="{B761A91F-6833-5945-98AB-C90F6C36D6AF}"/>
+              </a:ext>
+            </a:extLst>
+          </p:cNvPr>
+          <p:cNvCxnSpPr>
+            <a:cxnSpLocks/>
+            <a:stCxn id="97" idx="2"/>
+            <a:endCxn id="112" idx="0"/>
+          </p:cNvCxnSpPr>
+          <p:nvPr/>
+        </p:nvCxnSpPr>
+        <p:spPr>
+          <a:xfrm>
+            <a:off x="1436755" y="2499429"/>
+            <a:ext cx="0" cy="99263"/>
+          </a:xfrm>
+          <a:prstGeom prst="straightConnector1">
+            <a:avLst/>
+          </a:prstGeom>
+          <a:ln w="9525">
+            <a:tailEnd type="triangle" w="sm" len="sm"/>
+          </a:ln>
+        </p:spPr>
+        <p:style>
+          <a:lnRef idx="1">
+            <a:schemeClr val="dk1"/>
+          </a:lnRef>
+          <a:fillRef idx="0">
+            <a:schemeClr val="dk1"/>
+          </a:fillRef>
+          <a:effectRef idx="0">
+            <a:schemeClr val="dk1"/>
+          </a:effectRef>
+          <a:fontRef idx="minor">
+            <a:schemeClr val="tx1"/>
+          </a:fontRef>
+        </p:style>
+      </p:cxnSp>
+      <p:cxnSp>
+        <p:nvCxnSpPr>
+          <p:cNvPr id="125" name="直线箭头连接符 124">
+            <a:extLst>
+              <a:ext uri="{FF2B5EF4-FFF2-40B4-BE49-F238E27FC236}">
+                <a16:creationId xmlns:a16="http://schemas.microsoft.com/office/drawing/2014/main" id="{77059E06-917F-2261-4080-C4C9E6FAD710}"/>
+              </a:ext>
+            </a:extLst>
+          </p:cNvPr>
+          <p:cNvCxnSpPr>
+            <a:cxnSpLocks/>
+            <a:stCxn id="99" idx="2"/>
+            <a:endCxn id="116" idx="0"/>
+          </p:cNvCxnSpPr>
+          <p:nvPr/>
+        </p:nvCxnSpPr>
+        <p:spPr>
+          <a:xfrm>
+            <a:off x="2439689" y="2489663"/>
+            <a:ext cx="0" cy="109028"/>
+          </a:xfrm>
+          <a:prstGeom prst="straightConnector1">
+            <a:avLst/>
+          </a:prstGeom>
+          <a:ln w="9525">
+            <a:tailEnd type="triangle" w="sm" len="sm"/>
+          </a:ln>
+        </p:spPr>
+        <p:style>
+          <a:lnRef idx="1">
+            <a:schemeClr val="dk1"/>
+          </a:lnRef>
+          <a:fillRef idx="0">
+            <a:schemeClr val="dk1"/>
+          </a:fillRef>
+          <a:effectRef idx="0">
+            <a:schemeClr val="dk1"/>
+          </a:effectRef>
+          <a:fontRef idx="minor">
+            <a:schemeClr val="tx1"/>
+          </a:fontRef>
+        </p:style>
+      </p:cxnSp>
+      <p:sp>
+        <p:nvSpPr>
+          <p:cNvPr id="131" name="圆角矩形 130">
+            <a:extLst>
+              <a:ext uri="{FF2B5EF4-FFF2-40B4-BE49-F238E27FC236}">
+                <a16:creationId xmlns:a16="http://schemas.microsoft.com/office/drawing/2014/main" id="{631C1D8D-69CC-067C-9A64-196379E1F579}"/>
+              </a:ext>
+            </a:extLst>
+          </p:cNvPr>
+          <p:cNvSpPr/>
+          <p:nvPr/>
+        </p:nvSpPr>
+        <p:spPr>
+          <a:xfrm>
+            <a:off x="187236" y="2909063"/>
+            <a:ext cx="2505252" cy="177087"/>
+          </a:xfrm>
+          <a:prstGeom prst="roundRect">
+            <a:avLst/>
+          </a:prstGeom>
+          <a:ln w="9525"/>
+        </p:spPr>
+        <p:style>
+          <a:lnRef idx="2">
+            <a:schemeClr val="dk1"/>
+          </a:lnRef>
+          <a:fillRef idx="1">
+            <a:schemeClr val="lt1"/>
+          </a:fillRef>
+          <a:effectRef idx="0">
+            <a:schemeClr val="dk1"/>
+          </a:effectRef>
+          <a:fontRef idx="minor">
+            <a:schemeClr val="dk1"/>
+          </a:fontRef>
+        </p:style>
+        <p:txBody>
+          <a:bodyPr lIns="0" tIns="0" rIns="0" bIns="0" rtlCol="0" anchor="ctr"/>
+          <a:lstStyle/>
+          <a:p>
+            <a:pPr algn="ctr"/>
+            <a:r>
+              <a:rPr kumimoji="1" lang="en-US" altLang="zh-CN" sz="800" dirty="0">
+                <a:latin typeface="Arial" panose="020B0604020202020204" pitchFamily="34" charset="0"/>
+                <a:cs typeface="Arial" panose="020B0604020202020204" pitchFamily="34" charset="0"/>
+              </a:rPr>
+              <a:t>Statistical test for differences in skill scores</a:t>
+            </a:r>
+            <a:endParaRPr kumimoji="1" lang="zh-CN" altLang="en-US" sz="800" dirty="0">
+              <a:latin typeface="Arial" panose="020B0604020202020204" pitchFamily="34" charset="0"/>
+              <a:cs typeface="Arial" panose="020B0604020202020204" pitchFamily="34" charset="0"/>
+            </a:endParaRPr>
+          </a:p>
+        </p:txBody>
+      </p:sp>
+      <p:cxnSp>
+        <p:nvCxnSpPr>
+          <p:cNvPr id="132" name="肘形连接符 131">
+            <a:extLst>
+              <a:ext uri="{FF2B5EF4-FFF2-40B4-BE49-F238E27FC236}">
+                <a16:creationId xmlns:a16="http://schemas.microsoft.com/office/drawing/2014/main" id="{3A6F5951-0113-6106-5C32-56907B95FB13}"/>
+              </a:ext>
+            </a:extLst>
+          </p:cNvPr>
+          <p:cNvCxnSpPr>
+            <a:cxnSpLocks/>
+            <a:stCxn id="111" idx="2"/>
+            <a:endCxn id="131" idx="0"/>
+          </p:cNvCxnSpPr>
+          <p:nvPr/>
+        </p:nvCxnSpPr>
+        <p:spPr>
+          <a:xfrm rot="16200000" flipH="1">
+            <a:off x="877789" y="2346990"/>
+            <a:ext cx="143728" cy="980417"/>
+          </a:xfrm>
+          <a:prstGeom prst="bentConnector3">
+            <a:avLst>
+              <a:gd name="adj1" fmla="val 50000"/>
+            </a:avLst>
+          </a:prstGeom>
+          <a:ln w="9525">
+            <a:tailEnd type="triangle" w="sm" len="sm"/>
+          </a:ln>
+        </p:spPr>
+        <p:style>
+          <a:lnRef idx="1">
+            <a:schemeClr val="dk1"/>
+          </a:lnRef>
+          <a:fillRef idx="0">
+            <a:schemeClr val="dk1"/>
+          </a:fillRef>
+          <a:effectRef idx="0">
+            <a:schemeClr val="dk1"/>
+          </a:effectRef>
+          <a:fontRef idx="minor">
+            <a:schemeClr val="tx1"/>
+          </a:fontRef>
+        </p:style>
+      </p:cxnSp>
+      <p:cxnSp>
+        <p:nvCxnSpPr>
+          <p:cNvPr id="135" name="肘形连接符 134">
+            <a:extLst>
+              <a:ext uri="{FF2B5EF4-FFF2-40B4-BE49-F238E27FC236}">
+                <a16:creationId xmlns:a16="http://schemas.microsoft.com/office/drawing/2014/main" id="{9B750011-CAEB-CD9E-8776-C06BC3A071BB}"/>
+              </a:ext>
+            </a:extLst>
+          </p:cNvPr>
+          <p:cNvCxnSpPr>
+            <a:cxnSpLocks/>
+            <a:stCxn id="112" idx="2"/>
+            <a:endCxn id="131" idx="0"/>
+          </p:cNvCxnSpPr>
+          <p:nvPr/>
+        </p:nvCxnSpPr>
+        <p:spPr>
+          <a:xfrm rot="16200000" flipH="1">
+            <a:off x="1366444" y="2835645"/>
+            <a:ext cx="143728" cy="3107"/>
+          </a:xfrm>
+          <a:prstGeom prst="bentConnector3">
+            <a:avLst>
+              <a:gd name="adj1" fmla="val 50000"/>
+            </a:avLst>
+          </a:prstGeom>
+          <a:ln w="9525">
+            <a:tailEnd type="triangle" w="sm" len="sm"/>
+          </a:ln>
+        </p:spPr>
+        <p:style>
+          <a:lnRef idx="1">
+            <a:schemeClr val="dk1"/>
+          </a:lnRef>
+          <a:fillRef idx="0">
+            <a:schemeClr val="dk1"/>
+          </a:fillRef>
+          <a:effectRef idx="0">
+            <a:schemeClr val="dk1"/>
+          </a:effectRef>
+          <a:fontRef idx="minor">
+            <a:schemeClr val="tx1"/>
+          </a:fontRef>
+        </p:style>
+      </p:cxnSp>
+      <p:cxnSp>
+        <p:nvCxnSpPr>
+          <p:cNvPr id="138" name="肘形连接符 137">
+            <a:extLst>
+              <a:ext uri="{FF2B5EF4-FFF2-40B4-BE49-F238E27FC236}">
+                <a16:creationId xmlns:a16="http://schemas.microsoft.com/office/drawing/2014/main" id="{23B3487E-6980-2381-5B1C-E1A02BAB130C}"/>
+              </a:ext>
+            </a:extLst>
+          </p:cNvPr>
+          <p:cNvCxnSpPr>
+            <a:cxnSpLocks/>
+            <a:stCxn id="116" idx="2"/>
+            <a:endCxn id="131" idx="0"/>
+          </p:cNvCxnSpPr>
+          <p:nvPr/>
+        </p:nvCxnSpPr>
+        <p:spPr>
+          <a:xfrm rot="5400000">
+            <a:off x="1867912" y="2337286"/>
+            <a:ext cx="143728" cy="999827"/>
+          </a:xfrm>
+          <a:prstGeom prst="bentConnector3">
+            <a:avLst>
+              <a:gd name="adj1" fmla="val 50000"/>
+            </a:avLst>
+          </a:prstGeom>
+          <a:ln w="9525">
+            <a:tailEnd type="triangle" w="sm" len="sm"/>
+          </a:ln>
+        </p:spPr>
+        <p:style>
+          <a:lnRef idx="1">
+            <a:schemeClr val="dk1"/>
+          </a:lnRef>
+          <a:fillRef idx="0">
+            <a:schemeClr val="dk1"/>
+          </a:fillRef>
+          <a:effectRef idx="0">
+            <a:schemeClr val="dk1"/>
+          </a:effectRef>
+          <a:fontRef idx="minor">
+            <a:schemeClr val="tx1"/>
+          </a:fontRef>
+        </p:style>
+      </p:cxnSp>
+      <p:sp>
+        <p:nvSpPr>
+          <p:cNvPr id="161" name="圆角矩形 160">
+            <a:extLst>
+              <a:ext uri="{FF2B5EF4-FFF2-40B4-BE49-F238E27FC236}">
+                <a16:creationId xmlns:a16="http://schemas.microsoft.com/office/drawing/2014/main" id="{66C9224A-965F-1DB6-8EE5-0BCB2A360C80}"/>
+              </a:ext>
+            </a:extLst>
+          </p:cNvPr>
+          <p:cNvSpPr/>
+          <p:nvPr/>
+        </p:nvSpPr>
+        <p:spPr>
+          <a:xfrm>
+            <a:off x="2121462" y="277039"/>
+            <a:ext cx="636455" cy="180000"/>
+          </a:xfrm>
+          <a:prstGeom prst="roundRect">
+            <a:avLst/>
+          </a:prstGeom>
+          <a:ln w="9525"/>
+        </p:spPr>
+        <p:style>
+          <a:lnRef idx="2">
+            <a:schemeClr val="dk1"/>
+          </a:lnRef>
+          <a:fillRef idx="1">
+            <a:schemeClr val="lt1"/>
+          </a:fillRef>
+          <a:effectRef idx="0">
+            <a:schemeClr val="dk1"/>
+          </a:effectRef>
+          <a:fontRef idx="minor">
+            <a:schemeClr val="dk1"/>
+          </a:fontRef>
+        </p:style>
+        <p:txBody>
+          <a:bodyPr lIns="0" tIns="0" rIns="0" bIns="0" rtlCol="0" anchor="ctr"/>
+          <a:lstStyle/>
+          <a:p>
+            <a:pPr algn="ctr"/>
+            <a:r>
+              <a:rPr kumimoji="1" lang="en-US" altLang="zh-CN" sz="800" dirty="0">
+                <a:latin typeface="Arial" panose="020B0604020202020204" pitchFamily="34" charset="0"/>
+                <a:cs typeface="Arial" panose="020B0604020202020204" pitchFamily="34" charset="0"/>
+              </a:rPr>
+              <a:t>WRF EXPN</a:t>
+            </a:r>
+            <a:endParaRPr kumimoji="1" lang="zh-CN" altLang="en-US" sz="800" dirty="0">
+              <a:latin typeface="Arial" panose="020B0604020202020204" pitchFamily="34" charset="0"/>
+              <a:cs typeface="Arial" panose="020B0604020202020204" pitchFamily="34" charset="0"/>
+            </a:endParaRPr>
+          </a:p>
+        </p:txBody>
+      </p:sp>
+      <p:sp>
+        <p:nvSpPr>
+          <p:cNvPr id="162" name="圆角矩形 161">
+            <a:extLst>
+              <a:ext uri="{FF2B5EF4-FFF2-40B4-BE49-F238E27FC236}">
+                <a16:creationId xmlns:a16="http://schemas.microsoft.com/office/drawing/2014/main" id="{EE29D464-8D07-7134-3AC9-666B3CE49FA7}"/>
+              </a:ext>
+            </a:extLst>
+          </p:cNvPr>
+          <p:cNvSpPr/>
+          <p:nvPr/>
+        </p:nvSpPr>
+        <p:spPr>
+          <a:xfrm>
+            <a:off x="1116346" y="277039"/>
+            <a:ext cx="636455" cy="180000"/>
+          </a:xfrm>
+          <a:prstGeom prst="roundRect">
+            <a:avLst/>
+          </a:prstGeom>
+          <a:ln w="9525"/>
+        </p:spPr>
+        <p:style>
+          <a:lnRef idx="2">
+            <a:schemeClr val="dk1"/>
+          </a:lnRef>
+          <a:fillRef idx="1">
+            <a:schemeClr val="lt1"/>
+          </a:fillRef>
+          <a:effectRef idx="0">
+            <a:schemeClr val="dk1"/>
+          </a:effectRef>
+          <a:fontRef idx="minor">
+            <a:schemeClr val="dk1"/>
+          </a:fontRef>
+        </p:style>
+        <p:txBody>
+          <a:bodyPr lIns="0" tIns="0" rIns="0" bIns="0" rtlCol="0" anchor="ctr"/>
+          <a:lstStyle/>
+          <a:p>
+            <a:pPr algn="ctr"/>
+            <a:r>
+              <a:rPr kumimoji="1" lang="en-US" altLang="zh-CN" sz="800" dirty="0">
+                <a:latin typeface="Arial" panose="020B0604020202020204" pitchFamily="34" charset="0"/>
+                <a:cs typeface="Arial" panose="020B0604020202020204" pitchFamily="34" charset="0"/>
+              </a:rPr>
+              <a:t>WRF EXP…</a:t>
+            </a:r>
+            <a:endParaRPr kumimoji="1" lang="zh-CN" altLang="en-US" sz="800" dirty="0">
+              <a:latin typeface="Arial" panose="020B0604020202020204" pitchFamily="34" charset="0"/>
+              <a:cs typeface="Arial" panose="020B0604020202020204" pitchFamily="34" charset="0"/>
+            </a:endParaRPr>
+          </a:p>
+        </p:txBody>
+      </p:sp>
     </p:spTree>
     <p:extLst>
       <p:ext uri="{BB962C8B-B14F-4D97-AF65-F5344CB8AC3E}">
